--- a/doc/Task01/Task01.pptx
+++ b/doc/Task01/Task01.pptx
@@ -1,6 +1,6 @@
 
 <file path=ppt/presentation.xml><?xml version="1.0" encoding="utf-8"?>
-<p:presentation xmlns:a="http://schemas.openxmlformats.org/drawingml/2006/main" xmlns:r="http://schemas.openxmlformats.org/officeDocument/2006/relationships" xmlns:p="http://schemas.openxmlformats.org/presentationml/2006/main" saveSubsetFonts="1" autoCompressPictures="0">
+<p:presentation xmlns:a="http://schemas.openxmlformats.org/drawingml/2006/main" xmlns:r="http://schemas.openxmlformats.org/officeDocument/2006/relationships" xmlns:p="http://schemas.openxmlformats.org/presentationml/2006/main" serverZoom="33430" saveSubsetFonts="1" autoCompressPictures="0">
   <p:sldMasterIdLst>
     <p:sldMasterId id="2147483669" r:id="rId4"/>
   </p:sldMasterIdLst>
@@ -148,7 +148,7 @@
   </p:defaultTextStyle>
   <p:extLst>
     <p:ext uri="{EFAFB233-063F-42B5-8137-9DF3F51BA10A}">
-      <p15:sldGuideLst xmlns:p15="http://schemas.microsoft.com/office/powerpoint/2012/main">
+      <p15:sldGuideLst xmlns:p15="http://schemas.microsoft.com/office/powerpoint/2012/main" xmlns="">
         <p15:guide id="1" orient="horz" pos="2160">
           <p15:clr>
             <a:srgbClr val="A4A3A4"/>
@@ -162,7 +162,7 @@
       </p15:sldGuideLst>
     </p:ext>
     <p:ext uri="{2D200454-40CA-4A62-9FC3-DE9A4176ACB9}">
-      <p15:notesGuideLst xmlns:p15="http://schemas.microsoft.com/office/powerpoint/2012/main">
+      <p15:notesGuideLst xmlns:p15="http://schemas.microsoft.com/office/powerpoint/2012/main" xmlns="">
         <p15:guide id="1" orient="horz" pos="3127">
           <p15:clr>
             <a:srgbClr val="A4A3A4"/>
@@ -1034,15 +1034,15 @@
             <a:noFill/>
           </a:ln>
           <a:extLst>
-            <a:ext uri="{909E8E84-426E-40dd-AFC4-6F175D3DCCD1}">
-              <a14:hiddenFill xmlns:a14="http://schemas.microsoft.com/office/drawing/2010/main" xmlns="">
+            <a:ext uri="{909E8E84-426E-40DD-AFC4-6F175D3DCCD1}">
+              <a14:hiddenFill xmlns:a14="http://schemas.microsoft.com/office/drawing/2010/main">
                 <a:solidFill>
                   <a:srgbClr val="FFFFFF"/>
                 </a:solidFill>
               </a14:hiddenFill>
             </a:ext>
-            <a:ext uri="{91240B29-F687-4f45-9708-019B960494DF}">
-              <a14:hiddenLine xmlns:a14="http://schemas.microsoft.com/office/drawing/2010/main" xmlns="" w="9525">
+            <a:ext uri="{91240B29-F687-4F45-9708-019B960494DF}">
+              <a14:hiddenLine xmlns:a14="http://schemas.microsoft.com/office/drawing/2010/main" w="9525">
                 <a:solidFill>
                   <a:srgbClr val="000000"/>
                 </a:solidFill>
@@ -2774,15 +2774,15 @@
             <a:noFill/>
           </a:ln>
           <a:extLst>
-            <a:ext uri="{909E8E84-426E-40dd-AFC4-6F175D3DCCD1}">
-              <a14:hiddenFill xmlns:a14="http://schemas.microsoft.com/office/drawing/2010/main" xmlns="">
+            <a:ext uri="{909E8E84-426E-40DD-AFC4-6F175D3DCCD1}">
+              <a14:hiddenFill xmlns:a14="http://schemas.microsoft.com/office/drawing/2010/main">
                 <a:solidFill>
                   <a:srgbClr val="FFFFFF"/>
                 </a:solidFill>
               </a14:hiddenFill>
             </a:ext>
-            <a:ext uri="{91240B29-F687-4f45-9708-019B960494DF}">
-              <a14:hiddenLine xmlns:a14="http://schemas.microsoft.com/office/drawing/2010/main" xmlns="" w="9525">
+            <a:ext uri="{91240B29-F687-4F45-9708-019B960494DF}">
+              <a14:hiddenLine xmlns:a14="http://schemas.microsoft.com/office/drawing/2010/main" w="9525">
                 <a:solidFill>
                   <a:srgbClr val="000000"/>
                 </a:solidFill>
@@ -6255,15 +6255,15 @@
             <a:noFill/>
           </a:ln>
           <a:extLst>
-            <a:ext uri="{909E8E84-426E-40dd-AFC4-6F175D3DCCD1}">
-              <a14:hiddenFill xmlns:a14="http://schemas.microsoft.com/office/drawing/2010/main" xmlns="">
+            <a:ext uri="{909E8E84-426E-40DD-AFC4-6F175D3DCCD1}">
+              <a14:hiddenFill xmlns:a14="http://schemas.microsoft.com/office/drawing/2010/main">
                 <a:solidFill>
                   <a:srgbClr val="FFFFFF"/>
                 </a:solidFill>
               </a14:hiddenFill>
             </a:ext>
-            <a:ext uri="{91240B29-F687-4f45-9708-019B960494DF}">
-              <a14:hiddenLine xmlns:a14="http://schemas.microsoft.com/office/drawing/2010/main" xmlns="" w="9525">
+            <a:ext uri="{91240B29-F687-4F45-9708-019B960494DF}">
+              <a14:hiddenLine xmlns:a14="http://schemas.microsoft.com/office/drawing/2010/main" w="9525">
                 <a:solidFill>
                   <a:srgbClr val="000000"/>
                 </a:solidFill>
@@ -7070,7 +7070,7 @@
             </a:r>
             <a:r>
               <a:rPr lang="de-CH" b="1" dirty="0" smtClean="0"/>
-              <a:t>, </a:t>
+              <a:t>, Schmied, </a:t>
             </a:r>
             <a:r>
               <a:rPr lang="de-CH" b="1" dirty="0" err="1" smtClean="0"/>
@@ -9371,6 +9371,23 @@
 </file>
 
 <file path=customXml/item1.xml><?xml version="1.0" encoding="utf-8"?>
+<p:properties xmlns:p="http://schemas.microsoft.com/office/2006/metadata/properties" xmlns:xsi="http://www.w3.org/2001/XMLSchema-instance">
+  <documentManagement>
+    <AVMTitle xmlns="5091c847-84be-4f4f-b16c-c018ad2ca66b">Präsentation BFH_2013</AVMTitle>
+  </documentManagement>
+</p:properties>
+</file>
+
+<file path=customXml/item2.xml><?xml version="1.0" encoding="utf-8"?>
+<?mso-contentType ?>
+<FormTemplates xmlns="http://schemas.microsoft.com/sharepoint/v3/contenttype/forms">
+  <Display>DocumentLibraryForm</Display>
+  <Edit>DocumentLibraryForm</Edit>
+  <New>DocumentLibraryForm</New>
+</FormTemplates>
+</file>
+
+<file path=customXml/item3.xml><?xml version="1.0" encoding="utf-8"?>
 <ct:contentTypeSchema xmlns:ct="http://schemas.microsoft.com/office/2006/metadata/contentType" xmlns:ma="http://schemas.microsoft.com/office/2006/metadata/properties/metaAttributes" ct:_="" ma:_="" ma:contentTypeName="Dokument" ma:contentTypeID="0x010100EBE3A9EFF36793468C03E2811ACE2A2B" ma:contentTypeVersion="1" ma:contentTypeDescription="Ein neues Dokument erstellen." ma:contentTypeScope="" ma:versionID="e65be32cb1bfff77fc8c9c09bf542651">
   <xsd:schema xmlns:xsd="http://www.w3.org/2001/XMLSchema" xmlns:p="http://schemas.microsoft.com/office/2006/metadata/properties" xmlns:ns2="5091c847-84be-4f4f-b16c-c018ad2ca66b" targetNamespace="http://schemas.microsoft.com/office/2006/metadata/properties" ma:root="true" ma:fieldsID="7636c84aed5b7d09a166fcef888725d4" ns2:_="">
     <xsd:import namespace="5091c847-84be-4f4f-b16c-c018ad2ca66b"/>
@@ -9430,24 +9447,30 @@
 </ct:contentTypeSchema>
 </file>
 
-<file path=customXml/item2.xml><?xml version="1.0" encoding="utf-8"?>
-<?mso-contentType ?>
-<FormTemplates xmlns="http://schemas.microsoft.com/sharepoint/v3/contenttype/forms">
-  <Display>DocumentLibraryForm</Display>
-  <Edit>DocumentLibraryForm</Edit>
-  <New>DocumentLibraryForm</New>
-</FormTemplates>
+<file path=customXml/itemProps1.xml><?xml version="1.0" encoding="utf-8"?>
+<ds:datastoreItem xmlns:ds="http://schemas.openxmlformats.org/officeDocument/2006/customXml" ds:itemID="{32991507-CB83-4F49-BAFB-D322B1D04098}">
+  <ds:schemaRefs>
+    <ds:schemaRef ds:uri="http://schemas.microsoft.com/office/2006/metadata/properties"/>
+    <ds:schemaRef ds:uri="http://purl.org/dc/terms/"/>
+    <ds:schemaRef ds:uri="http://schemas.openxmlformats.org/package/2006/metadata/core-properties"/>
+    <ds:schemaRef ds:uri="http://schemas.microsoft.com/office/2006/documentManagement/types"/>
+    <ds:schemaRef ds:uri="5091c847-84be-4f4f-b16c-c018ad2ca66b"/>
+    <ds:schemaRef ds:uri="http://purl.org/dc/elements/1.1/"/>
+    <ds:schemaRef ds:uri="http://www.w3.org/XML/1998/namespace"/>
+    <ds:schemaRef ds:uri="http://purl.org/dc/dcmitype/"/>
+  </ds:schemaRefs>
+</ds:datastoreItem>
 </file>
 
-<file path=customXml/item3.xml><?xml version="1.0" encoding="utf-8"?>
-<p:properties xmlns:p="http://schemas.microsoft.com/office/2006/metadata/properties" xmlns:xsi="http://www.w3.org/2001/XMLSchema-instance">
-  <documentManagement>
-    <AVMTitle xmlns="5091c847-84be-4f4f-b16c-c018ad2ca66b">Präsentation BFH_2013</AVMTitle>
-  </documentManagement>
-</p:properties>
+<file path=customXml/itemProps2.xml><?xml version="1.0" encoding="utf-8"?>
+<ds:datastoreItem xmlns:ds="http://schemas.openxmlformats.org/officeDocument/2006/customXml" ds:itemID="{1851D33F-E468-417B-A30C-509B68D2BD09}">
+  <ds:schemaRefs>
+    <ds:schemaRef ds:uri="http://schemas.microsoft.com/sharepoint/v3/contenttype/forms"/>
+  </ds:schemaRefs>
+</ds:datastoreItem>
 </file>
 
-<file path=customXml/itemProps1.xml><?xml version="1.0" encoding="utf-8"?>
+<file path=customXml/itemProps3.xml><?xml version="1.0" encoding="utf-8"?>
 <ds:datastoreItem xmlns:ds="http://schemas.openxmlformats.org/officeDocument/2006/customXml" ds:itemID="{15287BEA-F3FF-4B87-929B-5D0092183197}">
   <ds:schemaRefs>
     <ds:schemaRef ds:uri="http://schemas.microsoft.com/office/2006/metadata/contentType"/>
@@ -9462,27 +9485,4 @@
     <ds:schemaRef ds:uri="http://schemas.microsoft.com/office/internal/2005/internalDocumentation"/>
   </ds:schemaRefs>
 </ds:datastoreItem>
-</file>
-
-<file path=customXml/itemProps2.xml><?xml version="1.0" encoding="utf-8"?>
-<ds:datastoreItem xmlns:ds="http://schemas.openxmlformats.org/officeDocument/2006/customXml" ds:itemID="{1851D33F-E468-417B-A30C-509B68D2BD09}">
-  <ds:schemaRefs>
-    <ds:schemaRef ds:uri="http://schemas.microsoft.com/sharepoint/v3/contenttype/forms"/>
-  </ds:schemaRefs>
-</ds:datastoreItem>
-</file>
-
-<file path=customXml/itemProps3.xml><?xml version="1.0" encoding="utf-8"?>
-<ds:datastoreItem xmlns:ds="http://schemas.openxmlformats.org/officeDocument/2006/customXml" ds:itemID="{32991507-CB83-4F49-BAFB-D322B1D04098}">
-  <ds:schemaRefs>
-    <ds:schemaRef ds:uri="http://schemas.microsoft.com/office/2006/metadata/properties"/>
-    <ds:schemaRef ds:uri="http://purl.org/dc/terms/"/>
-    <ds:schemaRef ds:uri="http://schemas.openxmlformats.org/package/2006/metadata/core-properties"/>
-    <ds:schemaRef ds:uri="http://schemas.microsoft.com/office/2006/documentManagement/types"/>
-    <ds:schemaRef ds:uri="5091c847-84be-4f4f-b16c-c018ad2ca66b"/>
-    <ds:schemaRef ds:uri="http://purl.org/dc/elements/1.1/"/>
-    <ds:schemaRef ds:uri="http://www.w3.org/XML/1998/namespace"/>
-    <ds:schemaRef ds:uri="http://purl.org/dc/dcmitype/"/>
-  </ds:schemaRefs>
-</ds:datastoreItem>
 </file>
--- a/doc/Task01/Task01.pptx
+++ b/doc/Task01/Task01.pptx
@@ -1,6 +1,6 @@
 
 <file path=ppt/presentation.xml><?xml version="1.0" encoding="utf-8"?>
-<p:presentation xmlns:a="http://schemas.openxmlformats.org/drawingml/2006/main" xmlns:r="http://schemas.openxmlformats.org/officeDocument/2006/relationships" xmlns:p="http://schemas.openxmlformats.org/presentationml/2006/main" serverZoom="33430" saveSubsetFonts="1" autoCompressPictures="0">
+<p:presentation xmlns:a="http://schemas.openxmlformats.org/drawingml/2006/main" xmlns:r="http://schemas.openxmlformats.org/officeDocument/2006/relationships" xmlns:p="http://schemas.openxmlformats.org/presentationml/2006/main" serverZoom="22246" saveSubsetFonts="1" autoCompressPictures="0">
   <p:sldMasterIdLst>
     <p:sldMasterId id="2147483669" r:id="rId4"/>
   </p:sldMasterIdLst>
@@ -148,7 +148,7 @@
   </p:defaultTextStyle>
   <p:extLst>
     <p:ext uri="{EFAFB233-063F-42B5-8137-9DF3F51BA10A}">
-      <p15:sldGuideLst xmlns:p15="http://schemas.microsoft.com/office/powerpoint/2012/main" xmlns="">
+      <p15:sldGuideLst xmlns="" xmlns:p15="http://schemas.microsoft.com/office/powerpoint/2012/main">
         <p15:guide id="1" orient="horz" pos="2160">
           <p15:clr>
             <a:srgbClr val="A4A3A4"/>
@@ -162,7 +162,7 @@
       </p15:sldGuideLst>
     </p:ext>
     <p:ext uri="{2D200454-40CA-4A62-9FC3-DE9A4176ACB9}">
-      <p15:notesGuideLst xmlns:p15="http://schemas.microsoft.com/office/powerpoint/2012/main" xmlns="">
+      <p15:notesGuideLst xmlns="" xmlns:p15="http://schemas.microsoft.com/office/powerpoint/2012/main">
         <p15:guide id="1" orient="horz" pos="3127">
           <p15:clr>
             <a:srgbClr val="A4A3A4"/>
@@ -7169,12 +7169,12 @@
           <a:lstStyle/>
           <a:p>
             <a:r>
-              <a:rPr lang="de-CH" sz="2000" dirty="0" err="1" smtClean="0"/>
-              <a:t>target</a:t>
+              <a:rPr lang="de-CH" sz="2000" dirty="0"/>
+              <a:t>T</a:t>
             </a:r>
             <a:r>
               <a:rPr lang="de-CH" sz="2000" dirty="0" smtClean="0"/>
-              <a:t> </a:t>
+              <a:t>arget </a:t>
             </a:r>
             <a:r>
               <a:rPr lang="de-CH" sz="2000" dirty="0" err="1"/>
@@ -7187,8 +7187,12 @@
           </a:p>
           <a:p>
             <a:r>
+              <a:rPr lang="en-US" sz="2000" dirty="0"/>
+              <a:t>K</a:t>
+            </a:r>
+            <a:r>
               <a:rPr lang="en-US" sz="2000" dirty="0" smtClean="0"/>
-              <a:t>key </a:t>
+              <a:t>ey </a:t>
             </a:r>
             <a:r>
               <a:rPr lang="en-US" sz="2000" dirty="0"/>
@@ -7198,12 +7202,12 @@
           </a:p>
           <a:p>
             <a:r>
-              <a:rPr lang="de-CH" sz="2000" dirty="0" err="1" smtClean="0"/>
-              <a:t>critical</a:t>
+              <a:rPr lang="de-CH" sz="2000" dirty="0"/>
+              <a:t>C</a:t>
             </a:r>
             <a:r>
               <a:rPr lang="de-CH" sz="2000" dirty="0" smtClean="0"/>
-              <a:t> </a:t>
+              <a:t>ritical </a:t>
             </a:r>
             <a:r>
               <a:rPr lang="de-CH" sz="2000" dirty="0" err="1"/>
@@ -7249,7 +7253,7 @@
           <a:p>
             <a:r>
               <a:rPr lang="de-CH" dirty="0" smtClean="0"/>
-              <a:t>Agenda</a:t>
+              <a:t>Content</a:t>
             </a:r>
             <a:endParaRPr lang="de-CH" dirty="0"/>
           </a:p>
@@ -7602,6 +7606,60 @@
           </a:p>
         </p:txBody>
       </p:sp>
+      <p:pic>
+        <p:nvPicPr>
+          <p:cNvPr id="1026" name="Picture 2"/>
+          <p:cNvPicPr>
+            <a:picLocks noChangeAspect="1" noChangeArrowheads="1"/>
+          </p:cNvPicPr>
+          <p:nvPr/>
+        </p:nvPicPr>
+        <p:blipFill>
+          <a:blip r:embed="rId2">
+            <a:extLst>
+              <a:ext uri="{28A0092B-C50C-407E-A947-70E740481C1C}">
+                <a14:useLocalDpi xmlns:a14="http://schemas.microsoft.com/office/drawing/2010/main" val="0"/>
+              </a:ext>
+            </a:extLst>
+          </a:blip>
+          <a:srcRect/>
+          <a:stretch>
+            <a:fillRect/>
+          </a:stretch>
+        </p:blipFill>
+        <p:spPr bwMode="auto">
+          <a:xfrm>
+            <a:off x="5667659" y="3956772"/>
+            <a:ext cx="3315716" cy="1903700"/>
+          </a:xfrm>
+          <a:prstGeom prst="rect">
+            <a:avLst/>
+          </a:prstGeom>
+          <a:noFill/>
+          <a:ln>
+            <a:noFill/>
+          </a:ln>
+          <a:extLst>
+            <a:ext uri="{909E8E84-426E-40DD-AFC4-6F175D3DCCD1}">
+              <a14:hiddenFill xmlns:a14="http://schemas.microsoft.com/office/drawing/2010/main">
+                <a:solidFill>
+                  <a:schemeClr val="accent1"/>
+                </a:solidFill>
+              </a14:hiddenFill>
+            </a:ext>
+            <a:ext uri="{91240B29-F687-4F45-9708-019B960494DF}">
+              <a14:hiddenLine xmlns:a14="http://schemas.microsoft.com/office/drawing/2010/main" w="9525">
+                <a:solidFill>
+                  <a:schemeClr val="tx1"/>
+                </a:solidFill>
+                <a:miter lim="800000"/>
+                <a:headEnd/>
+                <a:tailEnd/>
+              </a14:hiddenLine>
+            </a:ext>
+          </a:extLst>
+        </p:spPr>
+      </p:pic>
     </p:spTree>
     <p:extLst>
       <p:ext uri="{BB962C8B-B14F-4D97-AF65-F5344CB8AC3E}">
@@ -9371,23 +9429,6 @@
 </file>
 
 <file path=customXml/item1.xml><?xml version="1.0" encoding="utf-8"?>
-<p:properties xmlns:p="http://schemas.microsoft.com/office/2006/metadata/properties" xmlns:xsi="http://www.w3.org/2001/XMLSchema-instance">
-  <documentManagement>
-    <AVMTitle xmlns="5091c847-84be-4f4f-b16c-c018ad2ca66b">Präsentation BFH_2013</AVMTitle>
-  </documentManagement>
-</p:properties>
-</file>
-
-<file path=customXml/item2.xml><?xml version="1.0" encoding="utf-8"?>
-<?mso-contentType ?>
-<FormTemplates xmlns="http://schemas.microsoft.com/sharepoint/v3/contenttype/forms">
-  <Display>DocumentLibraryForm</Display>
-  <Edit>DocumentLibraryForm</Edit>
-  <New>DocumentLibraryForm</New>
-</FormTemplates>
-</file>
-
-<file path=customXml/item3.xml><?xml version="1.0" encoding="utf-8"?>
 <ct:contentTypeSchema xmlns:ct="http://schemas.microsoft.com/office/2006/metadata/contentType" xmlns:ma="http://schemas.microsoft.com/office/2006/metadata/properties/metaAttributes" ct:_="" ma:_="" ma:contentTypeName="Dokument" ma:contentTypeID="0x010100EBE3A9EFF36793468C03E2811ACE2A2B" ma:contentTypeVersion="1" ma:contentTypeDescription="Ein neues Dokument erstellen." ma:contentTypeScope="" ma:versionID="e65be32cb1bfff77fc8c9c09bf542651">
   <xsd:schema xmlns:xsd="http://www.w3.org/2001/XMLSchema" xmlns:p="http://schemas.microsoft.com/office/2006/metadata/properties" xmlns:ns2="5091c847-84be-4f4f-b16c-c018ad2ca66b" targetNamespace="http://schemas.microsoft.com/office/2006/metadata/properties" ma:root="true" ma:fieldsID="7636c84aed5b7d09a166fcef888725d4" ns2:_="">
     <xsd:import namespace="5091c847-84be-4f4f-b16c-c018ad2ca66b"/>
@@ -9447,30 +9488,24 @@
 </ct:contentTypeSchema>
 </file>
 
-<file path=customXml/itemProps1.xml><?xml version="1.0" encoding="utf-8"?>
-<ds:datastoreItem xmlns:ds="http://schemas.openxmlformats.org/officeDocument/2006/customXml" ds:itemID="{32991507-CB83-4F49-BAFB-D322B1D04098}">
-  <ds:schemaRefs>
-    <ds:schemaRef ds:uri="http://schemas.microsoft.com/office/2006/metadata/properties"/>
-    <ds:schemaRef ds:uri="http://purl.org/dc/terms/"/>
-    <ds:schemaRef ds:uri="http://schemas.openxmlformats.org/package/2006/metadata/core-properties"/>
-    <ds:schemaRef ds:uri="http://schemas.microsoft.com/office/2006/documentManagement/types"/>
-    <ds:schemaRef ds:uri="5091c847-84be-4f4f-b16c-c018ad2ca66b"/>
-    <ds:schemaRef ds:uri="http://purl.org/dc/elements/1.1/"/>
-    <ds:schemaRef ds:uri="http://www.w3.org/XML/1998/namespace"/>
-    <ds:schemaRef ds:uri="http://purl.org/dc/dcmitype/"/>
-  </ds:schemaRefs>
-</ds:datastoreItem>
+<file path=customXml/item2.xml><?xml version="1.0" encoding="utf-8"?>
+<?mso-contentType ?>
+<FormTemplates xmlns="http://schemas.microsoft.com/sharepoint/v3/contenttype/forms">
+  <Display>DocumentLibraryForm</Display>
+  <Edit>DocumentLibraryForm</Edit>
+  <New>DocumentLibraryForm</New>
+</FormTemplates>
 </file>
 
-<file path=customXml/itemProps2.xml><?xml version="1.0" encoding="utf-8"?>
-<ds:datastoreItem xmlns:ds="http://schemas.openxmlformats.org/officeDocument/2006/customXml" ds:itemID="{1851D33F-E468-417B-A30C-509B68D2BD09}">
-  <ds:schemaRefs>
-    <ds:schemaRef ds:uri="http://schemas.microsoft.com/sharepoint/v3/contenttype/forms"/>
-  </ds:schemaRefs>
-</ds:datastoreItem>
+<file path=customXml/item3.xml><?xml version="1.0" encoding="utf-8"?>
+<p:properties xmlns:p="http://schemas.microsoft.com/office/2006/metadata/properties" xmlns:xsi="http://www.w3.org/2001/XMLSchema-instance">
+  <documentManagement>
+    <AVMTitle xmlns="5091c847-84be-4f4f-b16c-c018ad2ca66b">Präsentation BFH_2013</AVMTitle>
+  </documentManagement>
+</p:properties>
 </file>
 
-<file path=customXml/itemProps3.xml><?xml version="1.0" encoding="utf-8"?>
+<file path=customXml/itemProps1.xml><?xml version="1.0" encoding="utf-8"?>
 <ds:datastoreItem xmlns:ds="http://schemas.openxmlformats.org/officeDocument/2006/customXml" ds:itemID="{15287BEA-F3FF-4B87-929B-5D0092183197}">
   <ds:schemaRefs>
     <ds:schemaRef ds:uri="http://schemas.microsoft.com/office/2006/metadata/contentType"/>
@@ -9485,4 +9520,27 @@
     <ds:schemaRef ds:uri="http://schemas.microsoft.com/office/internal/2005/internalDocumentation"/>
   </ds:schemaRefs>
 </ds:datastoreItem>
+</file>
+
+<file path=customXml/itemProps2.xml><?xml version="1.0" encoding="utf-8"?>
+<ds:datastoreItem xmlns:ds="http://schemas.openxmlformats.org/officeDocument/2006/customXml" ds:itemID="{1851D33F-E468-417B-A30C-509B68D2BD09}">
+  <ds:schemaRefs>
+    <ds:schemaRef ds:uri="http://schemas.microsoft.com/sharepoint/v3/contenttype/forms"/>
+  </ds:schemaRefs>
+</ds:datastoreItem>
+</file>
+
+<file path=customXml/itemProps3.xml><?xml version="1.0" encoding="utf-8"?>
+<ds:datastoreItem xmlns:ds="http://schemas.openxmlformats.org/officeDocument/2006/customXml" ds:itemID="{32991507-CB83-4F49-BAFB-D322B1D04098}">
+  <ds:schemaRefs>
+    <ds:schemaRef ds:uri="http://schemas.microsoft.com/office/2006/metadata/properties"/>
+    <ds:schemaRef ds:uri="http://purl.org/dc/terms/"/>
+    <ds:schemaRef ds:uri="http://schemas.openxmlformats.org/package/2006/metadata/core-properties"/>
+    <ds:schemaRef ds:uri="http://schemas.microsoft.com/office/2006/documentManagement/types"/>
+    <ds:schemaRef ds:uri="5091c847-84be-4f4f-b16c-c018ad2ca66b"/>
+    <ds:schemaRef ds:uri="http://purl.org/dc/elements/1.1/"/>
+    <ds:schemaRef ds:uri="http://www.w3.org/XML/1998/namespace"/>
+    <ds:schemaRef ds:uri="http://purl.org/dc/dcmitype/"/>
+  </ds:schemaRefs>
+</ds:datastoreItem>
 </file>
--- a/doc/Task01/Task01.pptx
+++ b/doc/Task01/Task01.pptx
@@ -1,6 +1,6 @@
 
 <file path=ppt/presentation.xml><?xml version="1.0" encoding="utf-8"?>
-<p:presentation xmlns:a="http://schemas.openxmlformats.org/drawingml/2006/main" xmlns:r="http://schemas.openxmlformats.org/officeDocument/2006/relationships" xmlns:p="http://schemas.openxmlformats.org/presentationml/2006/main" serverZoom="22246" saveSubsetFonts="1" autoCompressPictures="0">
+<p:presentation xmlns:a="http://schemas.openxmlformats.org/drawingml/2006/main" xmlns:r="http://schemas.openxmlformats.org/officeDocument/2006/relationships" xmlns:p="http://schemas.openxmlformats.org/presentationml/2006/main" serverZoom="15127" saveSubsetFonts="1" autoCompressPictures="0">
   <p:sldMasterIdLst>
     <p:sldMasterId id="2147483669" r:id="rId4"/>
   </p:sldMasterIdLst>
@@ -761,7 +761,7 @@
               <a:defRPr/>
             </a:pPr>
             <a:r>
-              <a:rPr lang="de-CH" smtClean="0"/>
+              <a:rPr lang="de-CH" dirty="0" smtClean="0"/>
               <a:t>Vorlesung Jürgen Holm, WS2011/2012</a:t>
             </a:r>
             <a:endParaRPr lang="de-CH" dirty="0"/>
@@ -793,7 +793,7 @@
               </a:pPr>
               <a:t>2</a:t>
             </a:fld>
-            <a:endParaRPr lang="de-CH"/>
+            <a:endParaRPr lang="de-CH" dirty="0"/>
           </a:p>
         </p:txBody>
       </p:sp>
@@ -801,6 +801,355 @@
     <p:extLst>
       <p:ext uri="{BB962C8B-B14F-4D97-AF65-F5344CB8AC3E}">
         <p14:creationId xmlns:p14="http://schemas.microsoft.com/office/powerpoint/2010/main" val="3162207657"/>
+      </p:ext>
+    </p:extLst>
+  </p:cSld>
+  <p:clrMapOvr>
+    <a:masterClrMapping/>
+  </p:clrMapOvr>
+</p:notes>
+</file>
+
+<file path=ppt/notesSlides/notesSlide2.xml><?xml version="1.0" encoding="utf-8"?>
+<p:notes xmlns:a="http://schemas.openxmlformats.org/drawingml/2006/main" xmlns:r="http://schemas.openxmlformats.org/officeDocument/2006/relationships" xmlns:p="http://schemas.openxmlformats.org/presentationml/2006/main">
+  <p:cSld>
+    <p:spTree>
+      <p:nvGrpSpPr>
+        <p:cNvPr id="1" name=""/>
+        <p:cNvGrpSpPr/>
+        <p:nvPr/>
+      </p:nvGrpSpPr>
+      <p:grpSpPr>
+        <a:xfrm>
+          <a:off x="0" y="0"/>
+          <a:ext cx="0" cy="0"/>
+          <a:chOff x="0" y="0"/>
+          <a:chExt cx="0" cy="0"/>
+        </a:xfrm>
+      </p:grpSpPr>
+      <p:sp>
+        <p:nvSpPr>
+          <p:cNvPr id="2" name="Folienbildplatzhalter 1"/>
+          <p:cNvSpPr>
+            <a:spLocks noGrp="1" noRot="1" noChangeAspect="1"/>
+          </p:cNvSpPr>
+          <p:nvPr>
+            <p:ph type="sldImg"/>
+          </p:nvPr>
+        </p:nvSpPr>
+        <p:spPr/>
+      </p:sp>
+      <p:sp>
+        <p:nvSpPr>
+          <p:cNvPr id="3" name="Notizenplatzhalter 2"/>
+          <p:cNvSpPr>
+            <a:spLocks noGrp="1"/>
+          </p:cNvSpPr>
+          <p:nvPr>
+            <p:ph type="body" idx="1"/>
+          </p:nvPr>
+        </p:nvSpPr>
+        <p:spPr/>
+        <p:txBody>
+          <a:bodyPr/>
+          <a:lstStyle/>
+          <a:p>
+            <a:endParaRPr lang="de-DE" dirty="0"/>
+          </a:p>
+        </p:txBody>
+      </p:sp>
+      <p:sp>
+        <p:nvSpPr>
+          <p:cNvPr id="4" name="Foliennummernplatzhalter 3"/>
+          <p:cNvSpPr>
+            <a:spLocks noGrp="1"/>
+          </p:cNvSpPr>
+          <p:nvPr>
+            <p:ph type="sldNum" sz="quarter" idx="10"/>
+          </p:nvPr>
+        </p:nvSpPr>
+        <p:spPr/>
+        <p:txBody>
+          <a:bodyPr/>
+          <a:lstStyle/>
+          <a:p>
+            <a:fld id="{37E44704-8E6D-4CF2-8CFA-A0F7BC751896}" type="slidenum">
+              <a:rPr lang="de-CH" smtClean="0"/>
+              <a:t>3</a:t>
+            </a:fld>
+            <a:endParaRPr lang="de-CH"/>
+          </a:p>
+        </p:txBody>
+      </p:sp>
+    </p:spTree>
+    <p:extLst>
+      <p:ext uri="{BB962C8B-B14F-4D97-AF65-F5344CB8AC3E}">
+        <p14:creationId xmlns:p14="http://schemas.microsoft.com/office/powerpoint/2010/main" val="3476432350"/>
+      </p:ext>
+    </p:extLst>
+  </p:cSld>
+  <p:clrMapOvr>
+    <a:masterClrMapping/>
+  </p:clrMapOvr>
+</p:notes>
+</file>
+
+<file path=ppt/notesSlides/notesSlide3.xml><?xml version="1.0" encoding="utf-8"?>
+<p:notes xmlns:a="http://schemas.openxmlformats.org/drawingml/2006/main" xmlns:r="http://schemas.openxmlformats.org/officeDocument/2006/relationships" xmlns:p="http://schemas.openxmlformats.org/presentationml/2006/main">
+  <p:cSld>
+    <p:spTree>
+      <p:nvGrpSpPr>
+        <p:cNvPr id="1" name=""/>
+        <p:cNvGrpSpPr/>
+        <p:nvPr/>
+      </p:nvGrpSpPr>
+      <p:grpSpPr>
+        <a:xfrm>
+          <a:off x="0" y="0"/>
+          <a:ext cx="0" cy="0"/>
+          <a:chOff x="0" y="0"/>
+          <a:chExt cx="0" cy="0"/>
+        </a:xfrm>
+      </p:grpSpPr>
+      <p:sp>
+        <p:nvSpPr>
+          <p:cNvPr id="2" name="Folienbildplatzhalter 1"/>
+          <p:cNvSpPr>
+            <a:spLocks noGrp="1" noRot="1" noChangeAspect="1"/>
+          </p:cNvSpPr>
+          <p:nvPr>
+            <p:ph type="sldImg"/>
+          </p:nvPr>
+        </p:nvSpPr>
+        <p:spPr/>
+      </p:sp>
+      <p:sp>
+        <p:nvSpPr>
+          <p:cNvPr id="3" name="Notizenplatzhalter 2"/>
+          <p:cNvSpPr>
+            <a:spLocks noGrp="1"/>
+          </p:cNvSpPr>
+          <p:nvPr>
+            <p:ph type="body" idx="1"/>
+          </p:nvPr>
+        </p:nvSpPr>
+        <p:spPr/>
+        <p:txBody>
+          <a:bodyPr/>
+          <a:lstStyle/>
+          <a:p>
+            <a:r>
+              <a:rPr lang="de-CH" dirty="0" smtClean="0"/>
+              <a:t>Unser System kann..</a:t>
+            </a:r>
+          </a:p>
+          <a:p>
+            <a:endParaRPr lang="de-CH" dirty="0" smtClean="0"/>
+          </a:p>
+          <a:p>
+            <a:r>
+              <a:rPr lang="de-CH" dirty="0" smtClean="0"/>
+              <a:t>Verwaltung</a:t>
+            </a:r>
+            <a:r>
+              <a:rPr lang="de-CH" baseline="0" dirty="0" smtClean="0"/>
+              <a:t> der </a:t>
+            </a:r>
+            <a:r>
+              <a:rPr lang="de-CH" baseline="0" dirty="0" err="1" smtClean="0"/>
+              <a:t>Behandlungs</a:t>
+            </a:r>
+            <a:r>
+              <a:rPr lang="de-CH" baseline="0" dirty="0" smtClean="0"/>
+              <a:t> Daten von Patienten mit </a:t>
+            </a:r>
+            <a:r>
+              <a:rPr lang="de-DE" dirty="0" smtClean="0"/>
+              <a:t>psychischen Problemen</a:t>
+            </a:r>
+          </a:p>
+          <a:p>
+            <a:endParaRPr lang="de-CH" dirty="0" smtClean="0"/>
+          </a:p>
+          <a:p>
+            <a:r>
+              <a:rPr lang="de-CH" dirty="0" smtClean="0"/>
+              <a:t>Bietet dem Medizinischen Personal Zeitpläne/</a:t>
+            </a:r>
+            <a:r>
+              <a:rPr lang="de-CH" dirty="0" err="1" smtClean="0"/>
+              <a:t>übersichten</a:t>
+            </a:r>
+            <a:r>
+              <a:rPr lang="de-CH" baseline="0" dirty="0" smtClean="0"/>
+              <a:t> von Termin- &amp; Behandlungsplänen</a:t>
+            </a:r>
+          </a:p>
+          <a:p>
+            <a:endParaRPr lang="de-CH" baseline="0" dirty="0" smtClean="0"/>
+          </a:p>
+          <a:p>
+            <a:r>
+              <a:rPr lang="de-CH" baseline="0" dirty="0" smtClean="0"/>
+              <a:t>Erleichtert die Behandlung der Patienten</a:t>
+            </a:r>
+          </a:p>
+          <a:p>
+            <a:endParaRPr lang="de-CH" baseline="0" dirty="0" smtClean="0"/>
+          </a:p>
+          <a:p>
+            <a:r>
+              <a:rPr lang="de-CH" baseline="0" dirty="0" smtClean="0"/>
+              <a:t>Generiert Management Informationen welche helfen Lokale und Regierungsziele zu analysieren und </a:t>
+            </a:r>
+            <a:r>
+              <a:rPr lang="de-CH" baseline="0" dirty="0" err="1" smtClean="0"/>
+              <a:t>durchuführen</a:t>
+            </a:r>
+            <a:endParaRPr lang="de-CH" baseline="0" dirty="0" smtClean="0"/>
+          </a:p>
+          <a:p>
+            <a:endParaRPr lang="de-CH" baseline="0" dirty="0" smtClean="0"/>
+          </a:p>
+          <a:p>
+            <a:r>
+              <a:rPr lang="de-CH" baseline="0" dirty="0" smtClean="0"/>
+              <a:t>Bietet Doktoren </a:t>
+            </a:r>
+            <a:r>
+              <a:rPr lang="de-CH" baseline="0" dirty="0" err="1" smtClean="0"/>
+              <a:t>detailiertes</a:t>
+            </a:r>
+            <a:r>
+              <a:rPr lang="de-CH" baseline="0" dirty="0" smtClean="0"/>
+              <a:t> Wissen über die Probleme des Patienten</a:t>
+            </a:r>
+          </a:p>
+          <a:p>
+            <a:endParaRPr lang="de-CH" baseline="0" dirty="0" smtClean="0"/>
+          </a:p>
+          <a:p>
+            <a:r>
+              <a:rPr lang="de-CH" baseline="0" dirty="0" smtClean="0"/>
+              <a:t>Tauscht Daten zwischen verschiedenen Kliniken aus.</a:t>
+            </a:r>
+          </a:p>
+          <a:p>
+            <a:endParaRPr lang="de-DE" dirty="0"/>
+          </a:p>
+        </p:txBody>
+      </p:sp>
+      <p:sp>
+        <p:nvSpPr>
+          <p:cNvPr id="4" name="Foliennummernplatzhalter 3"/>
+          <p:cNvSpPr>
+            <a:spLocks noGrp="1"/>
+          </p:cNvSpPr>
+          <p:nvPr>
+            <p:ph type="sldNum" sz="quarter" idx="10"/>
+          </p:nvPr>
+        </p:nvSpPr>
+        <p:spPr/>
+        <p:txBody>
+          <a:bodyPr/>
+          <a:lstStyle/>
+          <a:p>
+            <a:fld id="{37E44704-8E6D-4CF2-8CFA-A0F7BC751896}" type="slidenum">
+              <a:rPr lang="de-CH" smtClean="0"/>
+              <a:t>4</a:t>
+            </a:fld>
+            <a:endParaRPr lang="de-CH"/>
+          </a:p>
+        </p:txBody>
+      </p:sp>
+    </p:spTree>
+    <p:extLst>
+      <p:ext uri="{BB962C8B-B14F-4D97-AF65-F5344CB8AC3E}">
+        <p14:creationId xmlns:p14="http://schemas.microsoft.com/office/powerpoint/2010/main" val="2739081794"/>
+      </p:ext>
+    </p:extLst>
+  </p:cSld>
+  <p:clrMapOvr>
+    <a:masterClrMapping/>
+  </p:clrMapOvr>
+</p:notes>
+</file>
+
+<file path=ppt/notesSlides/notesSlide4.xml><?xml version="1.0" encoding="utf-8"?>
+<p:notes xmlns:a="http://schemas.openxmlformats.org/drawingml/2006/main" xmlns:r="http://schemas.openxmlformats.org/officeDocument/2006/relationships" xmlns:p="http://schemas.openxmlformats.org/presentationml/2006/main">
+  <p:cSld>
+    <p:spTree>
+      <p:nvGrpSpPr>
+        <p:cNvPr id="1" name=""/>
+        <p:cNvGrpSpPr/>
+        <p:nvPr/>
+      </p:nvGrpSpPr>
+      <p:grpSpPr>
+        <a:xfrm>
+          <a:off x="0" y="0"/>
+          <a:ext cx="0" cy="0"/>
+          <a:chOff x="0" y="0"/>
+          <a:chExt cx="0" cy="0"/>
+        </a:xfrm>
+      </p:grpSpPr>
+      <p:sp>
+        <p:nvSpPr>
+          <p:cNvPr id="2" name="Folienbildplatzhalter 1"/>
+          <p:cNvSpPr>
+            <a:spLocks noGrp="1" noRot="1" noChangeAspect="1"/>
+          </p:cNvSpPr>
+          <p:nvPr>
+            <p:ph type="sldImg"/>
+          </p:nvPr>
+        </p:nvSpPr>
+        <p:spPr/>
+      </p:sp>
+      <p:sp>
+        <p:nvSpPr>
+          <p:cNvPr id="3" name="Notizenplatzhalter 2"/>
+          <p:cNvSpPr>
+            <a:spLocks noGrp="1"/>
+          </p:cNvSpPr>
+          <p:nvPr>
+            <p:ph type="body" idx="1"/>
+          </p:nvPr>
+        </p:nvSpPr>
+        <p:spPr/>
+        <p:txBody>
+          <a:bodyPr/>
+          <a:lstStyle/>
+          <a:p>
+            <a:endParaRPr lang="de-DE" dirty="0"/>
+          </a:p>
+        </p:txBody>
+      </p:sp>
+      <p:sp>
+        <p:nvSpPr>
+          <p:cNvPr id="4" name="Foliennummernplatzhalter 3"/>
+          <p:cNvSpPr>
+            <a:spLocks noGrp="1"/>
+          </p:cNvSpPr>
+          <p:nvPr>
+            <p:ph type="sldNum" sz="quarter" idx="10"/>
+          </p:nvPr>
+        </p:nvSpPr>
+        <p:spPr/>
+        <p:txBody>
+          <a:bodyPr/>
+          <a:lstStyle/>
+          <a:p>
+            <a:fld id="{37E44704-8E6D-4CF2-8CFA-A0F7BC751896}" type="slidenum">
+              <a:rPr lang="de-CH" smtClean="0"/>
+              <a:t>5</a:t>
+            </a:fld>
+            <a:endParaRPr lang="de-CH"/>
+          </a:p>
+        </p:txBody>
+      </p:sp>
+    </p:spTree>
+    <p:extLst>
+      <p:ext uri="{BB962C8B-B14F-4D97-AF65-F5344CB8AC3E}">
+        <p14:creationId xmlns:p14="http://schemas.microsoft.com/office/powerpoint/2010/main" val="1001895411"/>
       </p:ext>
     </p:extLst>
   </p:cSld>
@@ -7161,7 +7510,12 @@
             <p:ph sz="half" idx="1"/>
           </p:nvPr>
         </p:nvSpPr>
-        <p:spPr/>
+        <p:spPr>
+          <a:xfrm>
+            <a:off x="1513334" y="1202923"/>
+            <a:ext cx="7010142" cy="4799940"/>
+          </a:xfrm>
+        </p:spPr>
         <p:txBody>
           <a:bodyPr>
             <a:normAutofit/>
@@ -7174,16 +7528,9 @@
             </a:r>
             <a:r>
               <a:rPr lang="de-CH" sz="2000" dirty="0" smtClean="0"/>
-              <a:t>arget </a:t>
-            </a:r>
-            <a:r>
-              <a:rPr lang="de-CH" sz="2000" dirty="0" err="1"/>
-              <a:t>users</a:t>
-            </a:r>
-            <a:r>
-              <a:rPr lang="de-CH" sz="2000" dirty="0"/>
-              <a:t> </a:t>
-            </a:r>
+              <a:t>arget Users </a:t>
+            </a:r>
+            <a:endParaRPr lang="de-CH" sz="2000" dirty="0"/>
           </a:p>
           <a:p>
             <a:r>
@@ -7210,20 +7557,8 @@
               <a:t>ritical </a:t>
             </a:r>
             <a:r>
-              <a:rPr lang="de-CH" sz="2000" dirty="0" err="1"/>
-              <a:t>success</a:t>
-            </a:r>
-            <a:r>
               <a:rPr lang="de-CH" sz="2000" dirty="0"/>
-              <a:t> </a:t>
-            </a:r>
-            <a:r>
-              <a:rPr lang="de-CH" sz="2000" dirty="0" err="1"/>
-              <a:t>factors</a:t>
-            </a:r>
-            <a:r>
-              <a:rPr lang="de-CH" sz="2000" dirty="0"/>
-              <a:t> </a:t>
+              <a:t>success factors </a:t>
             </a:r>
           </a:p>
           <a:p>
@@ -7495,7 +7830,7 @@
           <a:p>
             <a:pPr lvl="0"/>
             <a:r>
-              <a:rPr lang="de-CH" dirty="0" err="1" smtClean="0"/>
+              <a:rPr lang="de-CH" dirty="0" smtClean="0"/>
               <a:t>Doctors</a:t>
             </a:r>
             <a:endParaRPr lang="de-CH" dirty="0"/>
@@ -7503,7 +7838,7 @@
           <a:p>
             <a:pPr lvl="0"/>
             <a:r>
-              <a:rPr lang="de-CH" dirty="0" err="1" smtClean="0"/>
+              <a:rPr lang="de-CH" dirty="0" smtClean="0"/>
               <a:t>Nurses</a:t>
             </a:r>
             <a:endParaRPr lang="de-CH" dirty="0"/>
@@ -7511,34 +7846,21 @@
           <a:p>
             <a:pPr lvl="0"/>
             <a:r>
-              <a:rPr lang="de-CH" dirty="0" err="1"/>
-              <a:t>Health</a:t>
-            </a:r>
-            <a:r>
               <a:rPr lang="de-CH" dirty="0"/>
-              <a:t> Service Manager</a:t>
+              <a:t>Health Service Manager</a:t>
             </a:r>
           </a:p>
           <a:p>
             <a:pPr lvl="0"/>
             <a:r>
-              <a:rPr lang="de-CH" dirty="0" err="1"/>
-              <a:t>Health</a:t>
-            </a:r>
-            <a:r>
               <a:rPr lang="de-CH" dirty="0"/>
-              <a:t> </a:t>
-            </a:r>
-            <a:r>
-              <a:rPr lang="de-CH" dirty="0" err="1"/>
-              <a:t>visitors</a:t>
-            </a:r>
-            <a:endParaRPr lang="de-CH" dirty="0"/>
+              <a:t>Health visitors</a:t>
+            </a:r>
           </a:p>
           <a:p>
             <a:pPr lvl="0"/>
             <a:r>
-              <a:rPr lang="de-CH" dirty="0" err="1" smtClean="0"/>
+              <a:rPr lang="de-CH" dirty="0" smtClean="0"/>
               <a:t>Receptionist</a:t>
             </a:r>
             <a:endParaRPr lang="de-CH" dirty="0"/>
@@ -7563,15 +7885,7 @@
             <a:pPr lvl="0"/>
             <a:r>
               <a:rPr lang="de-CH" dirty="0"/>
-              <a:t>Hospital </a:t>
-            </a:r>
-            <a:r>
-              <a:rPr lang="de-CH" dirty="0" err="1"/>
-              <a:t>management</a:t>
-            </a:r>
-            <a:r>
-              <a:rPr lang="de-CH" dirty="0"/>
-              <a:t> </a:t>
+              <a:t>Hospital management </a:t>
             </a:r>
           </a:p>
           <a:p>
@@ -7596,11 +7910,7 @@
           <a:p>
             <a:r>
               <a:rPr lang="de-CH" b="1" dirty="0" smtClean="0"/>
-              <a:t>Target </a:t>
-            </a:r>
-            <a:r>
-              <a:rPr lang="de-CH" b="1" dirty="0" err="1" smtClean="0"/>
-              <a:t>users</a:t>
+              <a:t>Target Users</a:t>
             </a:r>
             <a:endParaRPr lang="de-CH" dirty="0"/>
           </a:p>
@@ -7609,6 +7919,1015 @@
       <p:pic>
         <p:nvPicPr>
           <p:cNvPr id="1026" name="Picture 2"/>
+          <p:cNvPicPr>
+            <a:picLocks noChangeAspect="1" noChangeArrowheads="1"/>
+          </p:cNvPicPr>
+          <p:nvPr/>
+        </p:nvPicPr>
+        <p:blipFill>
+          <a:blip r:embed="rId3">
+            <a:extLst>
+              <a:ext uri="{28A0092B-C50C-407E-A947-70E740481C1C}">
+                <a14:useLocalDpi xmlns:a14="http://schemas.microsoft.com/office/drawing/2010/main" val="0"/>
+              </a:ext>
+            </a:extLst>
+          </a:blip>
+          <a:srcRect/>
+          <a:stretch>
+            <a:fillRect/>
+          </a:stretch>
+        </p:blipFill>
+        <p:spPr bwMode="auto">
+          <a:xfrm>
+            <a:off x="5578207" y="3728172"/>
+            <a:ext cx="3315716" cy="1903700"/>
+          </a:xfrm>
+          <a:prstGeom prst="rect">
+            <a:avLst/>
+          </a:prstGeom>
+          <a:noFill/>
+          <a:ln>
+            <a:noFill/>
+          </a:ln>
+          <a:extLst>
+            <a:ext uri="{909E8E84-426E-40DD-AFC4-6F175D3DCCD1}">
+              <a14:hiddenFill xmlns:a14="http://schemas.microsoft.com/office/drawing/2010/main">
+                <a:solidFill>
+                  <a:schemeClr val="accent1"/>
+                </a:solidFill>
+              </a14:hiddenFill>
+            </a:ext>
+            <a:ext uri="{91240B29-F687-4F45-9708-019B960494DF}">
+              <a14:hiddenLine xmlns:a14="http://schemas.microsoft.com/office/drawing/2010/main" w="9525">
+                <a:solidFill>
+                  <a:schemeClr val="tx1"/>
+                </a:solidFill>
+                <a:miter lim="800000"/>
+                <a:headEnd/>
+                <a:tailEnd/>
+              </a14:hiddenLine>
+            </a:ext>
+          </a:extLst>
+        </p:spPr>
+      </p:pic>
+    </p:spTree>
+    <p:extLst>
+      <p:ext uri="{BB962C8B-B14F-4D97-AF65-F5344CB8AC3E}">
+        <p14:creationId xmlns:p14="http://schemas.microsoft.com/office/powerpoint/2010/main" val="1121453056"/>
+      </p:ext>
+    </p:extLst>
+  </p:cSld>
+  <p:clrMapOvr>
+    <a:masterClrMapping/>
+  </p:clrMapOvr>
+  <p:timing>
+    <p:tnLst>
+      <p:par>
+        <p:cTn id="1" dur="indefinite" restart="never" nodeType="tmRoot"/>
+      </p:par>
+    </p:tnLst>
+  </p:timing>
+</p:sld>
+</file>
+
+<file path=ppt/slides/slide4.xml><?xml version="1.0" encoding="utf-8"?>
+<p:sld xmlns:a="http://schemas.openxmlformats.org/drawingml/2006/main" xmlns:r="http://schemas.openxmlformats.org/officeDocument/2006/relationships" xmlns:p="http://schemas.openxmlformats.org/presentationml/2006/main">
+  <p:cSld>
+    <p:spTree>
+      <p:nvGrpSpPr>
+        <p:cNvPr id="1" name=""/>
+        <p:cNvGrpSpPr/>
+        <p:nvPr/>
+      </p:nvGrpSpPr>
+      <p:grpSpPr>
+        <a:xfrm>
+          <a:off x="0" y="0"/>
+          <a:ext cx="0" cy="0"/>
+          <a:chOff x="0" y="0"/>
+          <a:chExt cx="0" cy="0"/>
+        </a:xfrm>
+      </p:grpSpPr>
+      <p:sp>
+        <p:nvSpPr>
+          <p:cNvPr id="2" name="Inhaltsplatzhalter 1"/>
+          <p:cNvSpPr>
+            <a:spLocks noGrp="1"/>
+          </p:cNvSpPr>
+          <p:nvPr>
+            <p:ph sz="half" idx="1"/>
+          </p:nvPr>
+        </p:nvSpPr>
+        <p:spPr/>
+        <p:txBody>
+          <a:bodyPr/>
+          <a:lstStyle/>
+          <a:p>
+            <a:pPr marL="0" indent="0">
+              <a:buNone/>
+            </a:pPr>
+            <a:r>
+              <a:rPr lang="de-CH" dirty="0" err="1"/>
+              <a:t>Our</a:t>
+            </a:r>
+            <a:r>
+              <a:rPr lang="de-CH" dirty="0"/>
+              <a:t> </a:t>
+            </a:r>
+            <a:r>
+              <a:rPr lang="de-CH" dirty="0" err="1"/>
+              <a:t>system</a:t>
+            </a:r>
+            <a:r>
+              <a:rPr lang="de-CH" dirty="0"/>
+              <a:t> </a:t>
+            </a:r>
+            <a:r>
+              <a:rPr lang="de-CH" dirty="0" err="1"/>
+              <a:t>can</a:t>
+            </a:r>
+            <a:r>
+              <a:rPr lang="de-CH" dirty="0" smtClean="0"/>
+              <a:t>...</a:t>
+            </a:r>
+          </a:p>
+          <a:p>
+            <a:pPr marL="0" indent="0">
+              <a:buNone/>
+            </a:pPr>
+            <a:endParaRPr lang="de-CH" dirty="0"/>
+          </a:p>
+          <a:p>
+            <a:pPr lvl="0"/>
+            <a:r>
+              <a:rPr lang="de-CH" dirty="0"/>
+              <a:t>manage </a:t>
+            </a:r>
+            <a:r>
+              <a:rPr lang="de-CH" dirty="0" err="1"/>
+              <a:t>the</a:t>
+            </a:r>
+            <a:r>
+              <a:rPr lang="de-CH" dirty="0"/>
+              <a:t> care </a:t>
+            </a:r>
+            <a:r>
+              <a:rPr lang="de-CH" dirty="0" err="1"/>
+              <a:t>of</a:t>
+            </a:r>
+            <a:r>
+              <a:rPr lang="de-CH" dirty="0"/>
+              <a:t> </a:t>
+            </a:r>
+            <a:r>
+              <a:rPr lang="de-CH" dirty="0" err="1"/>
+              <a:t>patients</a:t>
+            </a:r>
+            <a:r>
+              <a:rPr lang="de-CH" dirty="0"/>
+              <a:t> </a:t>
+            </a:r>
+            <a:r>
+              <a:rPr lang="de-CH" dirty="0" err="1"/>
+              <a:t>with</a:t>
+            </a:r>
+            <a:r>
+              <a:rPr lang="de-CH" dirty="0"/>
+              <a:t> mental </a:t>
+            </a:r>
+            <a:r>
+              <a:rPr lang="de-CH" dirty="0" err="1"/>
+              <a:t>health</a:t>
+            </a:r>
+            <a:r>
+              <a:rPr lang="de-CH" dirty="0"/>
+              <a:t> </a:t>
+            </a:r>
+            <a:r>
+              <a:rPr lang="de-CH" dirty="0" err="1"/>
+              <a:t>problems</a:t>
+            </a:r>
+            <a:endParaRPr lang="de-CH" dirty="0"/>
+          </a:p>
+          <a:p>
+            <a:pPr lvl="0"/>
+            <a:r>
+              <a:rPr lang="fr-CH" dirty="0" err="1"/>
+              <a:t>provide</a:t>
+            </a:r>
+            <a:r>
+              <a:rPr lang="fr-CH" dirty="0"/>
+              <a:t> </a:t>
+            </a:r>
+            <a:r>
+              <a:rPr lang="fr-CH" dirty="0" err="1"/>
+              <a:t>medical</a:t>
+            </a:r>
+            <a:r>
+              <a:rPr lang="fr-CH" dirty="0"/>
+              <a:t> staff </a:t>
+            </a:r>
+            <a:r>
+              <a:rPr lang="fr-CH" dirty="0" err="1"/>
+              <a:t>with</a:t>
+            </a:r>
+            <a:r>
+              <a:rPr lang="fr-CH" dirty="0"/>
+              <a:t> </a:t>
+            </a:r>
+            <a:r>
+              <a:rPr lang="fr-CH" dirty="0" err="1"/>
+              <a:t>timely</a:t>
+            </a:r>
+            <a:r>
+              <a:rPr lang="fr-CH" dirty="0"/>
+              <a:t> </a:t>
+            </a:r>
+            <a:r>
+              <a:rPr lang="fr-CH" dirty="0" smtClean="0"/>
+              <a:t>information</a:t>
+            </a:r>
+          </a:p>
+          <a:p>
+            <a:pPr lvl="0"/>
+            <a:r>
+              <a:rPr lang="fr-CH" dirty="0" err="1" smtClean="0"/>
+              <a:t>facilitate</a:t>
+            </a:r>
+            <a:r>
+              <a:rPr lang="fr-CH" dirty="0" smtClean="0"/>
+              <a:t> </a:t>
+            </a:r>
+            <a:r>
+              <a:rPr lang="fr-CH" dirty="0" err="1"/>
+              <a:t>treatment</a:t>
+            </a:r>
+            <a:r>
+              <a:rPr lang="fr-CH" dirty="0"/>
+              <a:t> of </a:t>
+            </a:r>
+            <a:r>
+              <a:rPr lang="fr-CH" dirty="0" smtClean="0"/>
+              <a:t>patients</a:t>
+            </a:r>
+          </a:p>
+          <a:p>
+            <a:pPr lvl="0"/>
+            <a:r>
+              <a:rPr lang="en-US" dirty="0" smtClean="0"/>
+              <a:t>generate </a:t>
+            </a:r>
+            <a:r>
+              <a:rPr lang="en-US" dirty="0"/>
+              <a:t>management information that allows </a:t>
+            </a:r>
+            <a:r>
+              <a:rPr lang="en-US" dirty="0" smtClean="0"/>
+              <a:t>to dissect local </a:t>
+            </a:r>
+            <a:r>
+              <a:rPr lang="en-US" dirty="0"/>
+              <a:t>and government targets </a:t>
+            </a:r>
+            <a:endParaRPr lang="de-CH" dirty="0"/>
+          </a:p>
+          <a:p>
+            <a:pPr lvl="0"/>
+            <a:r>
+              <a:rPr lang="de-CH" dirty="0" err="1"/>
+              <a:t>p</a:t>
+            </a:r>
+            <a:r>
+              <a:rPr lang="de-CH" dirty="0" err="1" smtClean="0"/>
+              <a:t>rovide</a:t>
+            </a:r>
+            <a:r>
+              <a:rPr lang="de-CH" dirty="0" smtClean="0"/>
+              <a:t> </a:t>
+            </a:r>
+            <a:r>
+              <a:rPr lang="de-CH" dirty="0" err="1" smtClean="0"/>
+              <a:t>doctor</a:t>
+            </a:r>
+            <a:r>
+              <a:rPr lang="de-CH" dirty="0" smtClean="0"/>
+              <a:t> </a:t>
+            </a:r>
+            <a:r>
+              <a:rPr lang="de-CH" dirty="0" err="1"/>
+              <a:t>detailed</a:t>
+            </a:r>
+            <a:r>
+              <a:rPr lang="de-CH" dirty="0"/>
+              <a:t> </a:t>
+            </a:r>
+            <a:r>
+              <a:rPr lang="de-CH" dirty="0" err="1"/>
+              <a:t>knowledge</a:t>
+            </a:r>
+            <a:r>
+              <a:rPr lang="de-CH" dirty="0"/>
+              <a:t> </a:t>
+            </a:r>
+            <a:r>
+              <a:rPr lang="de-CH" dirty="0" err="1"/>
+              <a:t>of</a:t>
+            </a:r>
+            <a:r>
+              <a:rPr lang="de-CH" dirty="0"/>
+              <a:t> </a:t>
+            </a:r>
+            <a:r>
+              <a:rPr lang="de-CH" dirty="0" err="1"/>
+              <a:t>patients</a:t>
+            </a:r>
+            <a:r>
+              <a:rPr lang="de-CH" dirty="0"/>
+              <a:t> </a:t>
+            </a:r>
+            <a:r>
+              <a:rPr lang="de-CH" dirty="0" err="1"/>
+              <a:t>problems</a:t>
+            </a:r>
+            <a:endParaRPr lang="de-CH" dirty="0"/>
+          </a:p>
+          <a:p>
+            <a:pPr lvl="0"/>
+            <a:r>
+              <a:rPr lang="de-CH" dirty="0" err="1"/>
+              <a:t>exchange</a:t>
+            </a:r>
+            <a:r>
+              <a:rPr lang="de-CH" dirty="0"/>
+              <a:t> </a:t>
+            </a:r>
+            <a:r>
+              <a:rPr lang="de-CH" dirty="0" err="1"/>
+              <a:t>data</a:t>
+            </a:r>
+            <a:r>
+              <a:rPr lang="de-CH" dirty="0"/>
+              <a:t> </a:t>
+            </a:r>
+            <a:r>
+              <a:rPr lang="de-CH" dirty="0" err="1"/>
+              <a:t>from</a:t>
+            </a:r>
+            <a:r>
+              <a:rPr lang="de-CH" dirty="0"/>
+              <a:t> </a:t>
+            </a:r>
+            <a:r>
+              <a:rPr lang="de-CH" dirty="0" err="1"/>
+              <a:t>and</a:t>
+            </a:r>
+            <a:r>
+              <a:rPr lang="de-CH" dirty="0"/>
+              <a:t> </a:t>
+            </a:r>
+            <a:r>
+              <a:rPr lang="de-CH" dirty="0" err="1"/>
+              <a:t>to</a:t>
+            </a:r>
+            <a:r>
+              <a:rPr lang="de-CH" dirty="0"/>
+              <a:t> different </a:t>
+            </a:r>
+            <a:r>
+              <a:rPr lang="de-DE" dirty="0" err="1" smtClean="0"/>
+              <a:t>institutions</a:t>
+            </a:r>
+            <a:endParaRPr lang="de-DE" dirty="0"/>
+          </a:p>
+          <a:p>
+            <a:pPr lvl="1"/>
+            <a:r>
+              <a:rPr lang="de-CH" dirty="0" err="1" smtClean="0"/>
+              <a:t>Clinics</a:t>
+            </a:r>
+            <a:r>
+              <a:rPr lang="de-CH" dirty="0" smtClean="0"/>
+              <a:t>, </a:t>
+            </a:r>
+            <a:r>
+              <a:rPr lang="de-CH" dirty="0" err="1" smtClean="0"/>
+              <a:t>hospital</a:t>
+            </a:r>
+            <a:r>
+              <a:rPr lang="de-CH" dirty="0" smtClean="0"/>
+              <a:t>, </a:t>
+            </a:r>
+            <a:r>
+              <a:rPr lang="de-CH" dirty="0" err="1" smtClean="0"/>
+              <a:t>medical</a:t>
+            </a:r>
+            <a:r>
+              <a:rPr lang="de-CH" dirty="0" smtClean="0"/>
+              <a:t> </a:t>
+            </a:r>
+            <a:r>
+              <a:rPr lang="de-CH" dirty="0" err="1" smtClean="0"/>
+              <a:t>practices</a:t>
+            </a:r>
+            <a:r>
+              <a:rPr lang="de-CH" dirty="0" smtClean="0"/>
+              <a:t>, </a:t>
+            </a:r>
+            <a:r>
+              <a:rPr lang="de-CH" dirty="0" err="1" smtClean="0"/>
+              <a:t>community</a:t>
+            </a:r>
+            <a:r>
+              <a:rPr lang="de-CH" dirty="0" smtClean="0"/>
+              <a:t> </a:t>
+            </a:r>
+            <a:r>
+              <a:rPr lang="de-CH" dirty="0" err="1" smtClean="0"/>
+              <a:t>centers</a:t>
+            </a:r>
+            <a:endParaRPr lang="de-CH" dirty="0" smtClean="0"/>
+          </a:p>
+          <a:p>
+            <a:pPr marL="0" indent="0">
+              <a:buNone/>
+            </a:pPr>
+            <a:endParaRPr lang="de-CH" dirty="0"/>
+          </a:p>
+        </p:txBody>
+      </p:sp>
+      <p:sp>
+        <p:nvSpPr>
+          <p:cNvPr id="3" name="Titel 2"/>
+          <p:cNvSpPr>
+            <a:spLocks noGrp="1"/>
+          </p:cNvSpPr>
+          <p:nvPr>
+            <p:ph type="ctrTitle"/>
+          </p:nvPr>
+        </p:nvSpPr>
+        <p:spPr>
+          <a:xfrm>
+            <a:off x="468000" y="360000"/>
+            <a:ext cx="8100000" cy="878250"/>
+          </a:xfrm>
+        </p:spPr>
+        <p:txBody>
+          <a:bodyPr/>
+          <a:lstStyle/>
+          <a:p>
+            <a:r>
+              <a:rPr lang="en-US" sz="2800" dirty="0" smtClean="0"/>
+              <a:t>Key features</a:t>
+            </a:r>
+            <a:endParaRPr lang="de-CH" dirty="0"/>
+          </a:p>
+        </p:txBody>
+      </p:sp>
+      <p:pic>
+        <p:nvPicPr>
+          <p:cNvPr id="4" name="Picture 2" descr="C:\Users\Maurice\Desktop\flipscloud_feature_key_management_icon_1.png"/>
+          <p:cNvPicPr>
+            <a:picLocks noChangeAspect="1" noChangeArrowheads="1"/>
+          </p:cNvPicPr>
+          <p:nvPr/>
+        </p:nvPicPr>
+        <p:blipFill>
+          <a:blip r:embed="rId3">
+            <a:extLst>
+              <a:ext uri="{28A0092B-C50C-407E-A947-70E740481C1C}">
+                <a14:useLocalDpi xmlns:a14="http://schemas.microsoft.com/office/drawing/2010/main" val="0"/>
+              </a:ext>
+            </a:extLst>
+          </a:blip>
+          <a:srcRect/>
+          <a:stretch>
+            <a:fillRect/>
+          </a:stretch>
+        </p:blipFill>
+        <p:spPr bwMode="auto">
+          <a:xfrm>
+            <a:off x="7268705" y="4851939"/>
+            <a:ext cx="1481217" cy="1481217"/>
+          </a:xfrm>
+          <a:prstGeom prst="rect">
+            <a:avLst/>
+          </a:prstGeom>
+          <a:noFill/>
+          <a:extLst>
+            <a:ext uri="{909E8E84-426E-40DD-AFC4-6F175D3DCCD1}">
+              <a14:hiddenFill xmlns:a14="http://schemas.microsoft.com/office/drawing/2010/main">
+                <a:solidFill>
+                  <a:srgbClr val="FFFFFF"/>
+                </a:solidFill>
+              </a14:hiddenFill>
+            </a:ext>
+          </a:extLst>
+        </p:spPr>
+      </p:pic>
+    </p:spTree>
+    <p:extLst>
+      <p:ext uri="{BB962C8B-B14F-4D97-AF65-F5344CB8AC3E}">
+        <p14:creationId xmlns:p14="http://schemas.microsoft.com/office/powerpoint/2010/main" val="1842710398"/>
+      </p:ext>
+    </p:extLst>
+  </p:cSld>
+  <p:clrMapOvr>
+    <a:masterClrMapping/>
+  </p:clrMapOvr>
+  <p:timing>
+    <p:tnLst>
+      <p:par>
+        <p:cTn id="1" dur="indefinite" restart="never" nodeType="tmRoot"/>
+      </p:par>
+    </p:tnLst>
+  </p:timing>
+</p:sld>
+</file>
+
+<file path=ppt/slides/slide5.xml><?xml version="1.0" encoding="utf-8"?>
+<p:sld xmlns:a="http://schemas.openxmlformats.org/drawingml/2006/main" xmlns:r="http://schemas.openxmlformats.org/officeDocument/2006/relationships" xmlns:p="http://schemas.openxmlformats.org/presentationml/2006/main">
+  <p:cSld>
+    <p:spTree>
+      <p:nvGrpSpPr>
+        <p:cNvPr id="1" name=""/>
+        <p:cNvGrpSpPr/>
+        <p:nvPr/>
+      </p:nvGrpSpPr>
+      <p:grpSpPr>
+        <a:xfrm>
+          <a:off x="0" y="0"/>
+          <a:ext cx="0" cy="0"/>
+          <a:chOff x="0" y="0"/>
+          <a:chExt cx="0" cy="0"/>
+        </a:xfrm>
+      </p:grpSpPr>
+      <p:sp>
+        <p:nvSpPr>
+          <p:cNvPr id="2" name="Inhaltsplatzhalter 1"/>
+          <p:cNvSpPr>
+            <a:spLocks noGrp="1"/>
+          </p:cNvSpPr>
+          <p:nvPr>
+            <p:ph sz="half" idx="1"/>
+          </p:nvPr>
+        </p:nvSpPr>
+        <p:spPr/>
+        <p:txBody>
+          <a:bodyPr/>
+          <a:lstStyle/>
+          <a:p>
+            <a:pPr marL="0" indent="0">
+              <a:buNone/>
+            </a:pPr>
+            <a:r>
+              <a:rPr lang="de-CH" dirty="0" err="1"/>
+              <a:t>Our</a:t>
+            </a:r>
+            <a:r>
+              <a:rPr lang="de-CH" dirty="0"/>
+              <a:t> </a:t>
+            </a:r>
+            <a:r>
+              <a:rPr lang="de-CH" dirty="0" err="1"/>
+              <a:t>system</a:t>
+            </a:r>
+            <a:r>
+              <a:rPr lang="de-CH" dirty="0"/>
+              <a:t> </a:t>
+            </a:r>
+            <a:r>
+              <a:rPr lang="de-CH" dirty="0" err="1"/>
+              <a:t>can</a:t>
+            </a:r>
+            <a:r>
+              <a:rPr lang="de-CH" dirty="0" smtClean="0"/>
+              <a:t>...</a:t>
+            </a:r>
+          </a:p>
+          <a:p>
+            <a:pPr marL="0" indent="0">
+              <a:buNone/>
+            </a:pPr>
+            <a:endParaRPr lang="de-CH" dirty="0"/>
+          </a:p>
+          <a:p>
+            <a:pPr lvl="0"/>
+            <a:r>
+              <a:rPr lang="de-CH" dirty="0" err="1" smtClean="0"/>
+              <a:t>change</a:t>
+            </a:r>
+            <a:r>
+              <a:rPr lang="de-CH" dirty="0" smtClean="0"/>
+              <a:t> </a:t>
+            </a:r>
+            <a:r>
+              <a:rPr lang="de-CH" dirty="0" err="1"/>
+              <a:t>addresses</a:t>
+            </a:r>
+            <a:r>
+              <a:rPr lang="de-CH" dirty="0"/>
+              <a:t> </a:t>
+            </a:r>
+            <a:r>
+              <a:rPr lang="de-CH" dirty="0" err="1" smtClean="0"/>
+              <a:t>dynamicly</a:t>
+            </a:r>
+            <a:r>
+              <a:rPr lang="de-CH" dirty="0" smtClean="0"/>
+              <a:t> </a:t>
+            </a:r>
+            <a:r>
+              <a:rPr lang="de-CH" dirty="0" err="1" smtClean="0"/>
+              <a:t>and</a:t>
+            </a:r>
+            <a:r>
+              <a:rPr lang="de-CH" dirty="0" smtClean="0"/>
+              <a:t> </a:t>
+            </a:r>
+            <a:r>
+              <a:rPr lang="de-CH" dirty="0" err="1" smtClean="0"/>
+              <a:t>support</a:t>
+            </a:r>
+            <a:r>
+              <a:rPr lang="de-CH" dirty="0" smtClean="0"/>
+              <a:t> </a:t>
+            </a:r>
+            <a:r>
+              <a:rPr lang="de-CH" dirty="0" err="1" smtClean="0"/>
+              <a:t>patient’s</a:t>
+            </a:r>
+            <a:r>
+              <a:rPr lang="de-CH" dirty="0" smtClean="0"/>
+              <a:t> </a:t>
+            </a:r>
+            <a:r>
+              <a:rPr lang="de-CH" dirty="0" err="1" smtClean="0"/>
+              <a:t>with</a:t>
+            </a:r>
+            <a:r>
+              <a:rPr lang="de-CH" dirty="0" smtClean="0"/>
+              <a:t> </a:t>
+            </a:r>
+            <a:r>
+              <a:rPr lang="de-CH" dirty="0" err="1" smtClean="0"/>
+              <a:t>none</a:t>
+            </a:r>
+            <a:endParaRPr lang="de-CH" dirty="0"/>
+          </a:p>
+          <a:p>
+            <a:pPr lvl="0"/>
+            <a:r>
+              <a:rPr lang="fr-CH" dirty="0" err="1" smtClean="0"/>
+              <a:t>be</a:t>
+            </a:r>
+            <a:r>
+              <a:rPr lang="fr-CH" dirty="0" smtClean="0"/>
+              <a:t> </a:t>
+            </a:r>
+            <a:r>
+              <a:rPr lang="fr-CH" dirty="0" err="1"/>
+              <a:t>used</a:t>
+            </a:r>
+            <a:r>
+              <a:rPr lang="fr-CH" dirty="0"/>
+              <a:t> as a </a:t>
+            </a:r>
+            <a:r>
+              <a:rPr lang="fr-CH" dirty="0" err="1"/>
+              <a:t>organising</a:t>
+            </a:r>
+            <a:r>
+              <a:rPr lang="fr-CH" dirty="0"/>
+              <a:t> </a:t>
+            </a:r>
+            <a:r>
+              <a:rPr lang="fr-CH" dirty="0" err="1"/>
+              <a:t>tool</a:t>
+            </a:r>
+            <a:r>
+              <a:rPr lang="fr-CH" dirty="0"/>
+              <a:t> for </a:t>
+            </a:r>
+            <a:r>
+              <a:rPr lang="fr-CH" dirty="0" err="1"/>
+              <a:t>appointments</a:t>
+            </a:r>
+            <a:r>
+              <a:rPr lang="fr-CH" dirty="0"/>
+              <a:t>, records, etc</a:t>
+            </a:r>
+            <a:r>
+              <a:rPr lang="fr-CH" dirty="0" smtClean="0"/>
+              <a:t>.</a:t>
+            </a:r>
+            <a:endParaRPr lang="de-CH" dirty="0"/>
+          </a:p>
+          <a:p>
+            <a:r>
+              <a:rPr lang="de-CH" dirty="0" err="1"/>
+              <a:t>generate</a:t>
+            </a:r>
+            <a:r>
+              <a:rPr lang="de-CH" dirty="0"/>
+              <a:t> </a:t>
+            </a:r>
+            <a:r>
+              <a:rPr lang="de-CH" dirty="0" err="1"/>
+              <a:t>reports</a:t>
+            </a:r>
+            <a:r>
+              <a:rPr lang="de-CH" dirty="0"/>
+              <a:t> </a:t>
+            </a:r>
+            <a:r>
+              <a:rPr lang="de-CH" dirty="0" err="1"/>
+              <a:t>for</a:t>
+            </a:r>
+            <a:r>
+              <a:rPr lang="de-CH" dirty="0"/>
+              <a:t> </a:t>
+            </a:r>
+            <a:r>
+              <a:rPr lang="de-CH" dirty="0" err="1"/>
+              <a:t>hospital</a:t>
+            </a:r>
+            <a:r>
+              <a:rPr lang="de-CH" dirty="0"/>
+              <a:t> management</a:t>
+            </a:r>
+          </a:p>
+          <a:p>
+            <a:r>
+              <a:rPr lang="de-CH" dirty="0" err="1"/>
+              <a:t>govern</a:t>
+            </a:r>
+            <a:r>
+              <a:rPr lang="de-CH" dirty="0"/>
+              <a:t> </a:t>
+            </a:r>
+            <a:r>
+              <a:rPr lang="de-CH" dirty="0" err="1"/>
+              <a:t>the</a:t>
+            </a:r>
+            <a:r>
+              <a:rPr lang="de-CH" dirty="0"/>
+              <a:t> </a:t>
+            </a:r>
+            <a:r>
+              <a:rPr lang="de-CH" dirty="0" err="1"/>
+              <a:t>confidentiality</a:t>
+            </a:r>
+            <a:r>
+              <a:rPr lang="de-CH" dirty="0"/>
+              <a:t> </a:t>
+            </a:r>
+            <a:r>
+              <a:rPr lang="de-CH" dirty="0" err="1"/>
+              <a:t>of</a:t>
+            </a:r>
+            <a:r>
+              <a:rPr lang="de-CH" dirty="0"/>
+              <a:t> personal </a:t>
+            </a:r>
+            <a:r>
+              <a:rPr lang="de-CH" dirty="0" err="1"/>
+              <a:t>information</a:t>
+            </a:r>
+            <a:endParaRPr lang="de-CH" dirty="0"/>
+          </a:p>
+          <a:p>
+            <a:pPr lvl="0"/>
+            <a:endParaRPr lang="de-CH" dirty="0"/>
+          </a:p>
+        </p:txBody>
+      </p:sp>
+      <p:sp>
+        <p:nvSpPr>
+          <p:cNvPr id="3" name="Titel 2"/>
+          <p:cNvSpPr>
+            <a:spLocks noGrp="1"/>
+          </p:cNvSpPr>
+          <p:nvPr>
+            <p:ph type="ctrTitle"/>
+          </p:nvPr>
+        </p:nvSpPr>
+        <p:spPr>
+          <a:xfrm>
+            <a:off x="468000" y="360000"/>
+            <a:ext cx="8100000" cy="878250"/>
+          </a:xfrm>
+        </p:spPr>
+        <p:txBody>
+          <a:bodyPr/>
+          <a:lstStyle/>
+          <a:p>
+            <a:r>
+              <a:rPr lang="en-US" sz="2800" dirty="0" smtClean="0"/>
+              <a:t>Key features</a:t>
+            </a:r>
+            <a:endParaRPr lang="de-CH" dirty="0"/>
+          </a:p>
+        </p:txBody>
+      </p:sp>
+      <p:pic>
+        <p:nvPicPr>
+          <p:cNvPr id="5" name="Picture 2" descr="C:\Users\Maurice\Desktop\flipscloud_feature_key_management_icon_1.png"/>
+          <p:cNvPicPr>
+            <a:picLocks noChangeAspect="1" noChangeArrowheads="1"/>
+          </p:cNvPicPr>
+          <p:nvPr/>
+        </p:nvPicPr>
+        <p:blipFill>
+          <a:blip r:embed="rId3">
+            <a:extLst>
+              <a:ext uri="{28A0092B-C50C-407E-A947-70E740481C1C}">
+                <a14:useLocalDpi xmlns:a14="http://schemas.microsoft.com/office/drawing/2010/main" val="0"/>
+              </a:ext>
+            </a:extLst>
+          </a:blip>
+          <a:srcRect/>
+          <a:stretch>
+            <a:fillRect/>
+          </a:stretch>
+        </p:blipFill>
+        <p:spPr bwMode="auto">
+          <a:xfrm>
+            <a:off x="7268705" y="4851939"/>
+            <a:ext cx="1481217" cy="1481217"/>
+          </a:xfrm>
+          <a:prstGeom prst="rect">
+            <a:avLst/>
+          </a:prstGeom>
+          <a:noFill/>
+          <a:extLst>
+            <a:ext uri="{909E8E84-426E-40DD-AFC4-6F175D3DCCD1}">
+              <a14:hiddenFill xmlns:a14="http://schemas.microsoft.com/office/drawing/2010/main">
+                <a:solidFill>
+                  <a:srgbClr val="FFFFFF"/>
+                </a:solidFill>
+              </a14:hiddenFill>
+            </a:ext>
+          </a:extLst>
+        </p:spPr>
+      </p:pic>
+    </p:spTree>
+    <p:extLst>
+      <p:ext uri="{BB962C8B-B14F-4D97-AF65-F5344CB8AC3E}">
+        <p14:creationId xmlns:p14="http://schemas.microsoft.com/office/powerpoint/2010/main" val="3077091144"/>
+      </p:ext>
+    </p:extLst>
+  </p:cSld>
+  <p:clrMapOvr>
+    <a:masterClrMapping/>
+  </p:clrMapOvr>
+  <p:timing>
+    <p:tnLst>
+      <p:par>
+        <p:cTn id="1" dur="indefinite" restart="never" nodeType="tmRoot"/>
+      </p:par>
+    </p:tnLst>
+  </p:timing>
+</p:sld>
+</file>
+
+<file path=ppt/slides/slide6.xml><?xml version="1.0" encoding="utf-8"?>
+<p:sld xmlns:a="http://schemas.openxmlformats.org/drawingml/2006/main" xmlns:r="http://schemas.openxmlformats.org/officeDocument/2006/relationships" xmlns:p="http://schemas.openxmlformats.org/presentationml/2006/main">
+  <p:cSld>
+    <p:spTree>
+      <p:nvGrpSpPr>
+        <p:cNvPr id="1" name=""/>
+        <p:cNvGrpSpPr/>
+        <p:nvPr/>
+      </p:nvGrpSpPr>
+      <p:grpSpPr>
+        <a:xfrm>
+          <a:off x="0" y="0"/>
+          <a:ext cx="0" cy="0"/>
+          <a:chOff x="0" y="0"/>
+          <a:chExt cx="0" cy="0"/>
+        </a:xfrm>
+      </p:grpSpPr>
+      <p:sp>
+        <p:nvSpPr>
+          <p:cNvPr id="2" name="Inhaltsplatzhalter 1"/>
+          <p:cNvSpPr>
+            <a:spLocks noGrp="1"/>
+          </p:cNvSpPr>
+          <p:nvPr>
+            <p:ph sz="half" idx="1"/>
+          </p:nvPr>
+        </p:nvSpPr>
+        <p:spPr/>
+        <p:txBody>
+          <a:bodyPr/>
+          <a:lstStyle/>
+          <a:p>
+            <a:r>
+              <a:rPr lang="de-CH" dirty="0" err="1" smtClean="0"/>
+              <a:t>sufficient</a:t>
+            </a:r>
+            <a:r>
+              <a:rPr lang="de-CH" dirty="0" smtClean="0"/>
+              <a:t> </a:t>
+            </a:r>
+            <a:r>
+              <a:rPr lang="de-CH" dirty="0" err="1" smtClean="0"/>
+              <a:t>resources</a:t>
+            </a:r>
+            <a:endParaRPr lang="de-CH" dirty="0"/>
+          </a:p>
+          <a:p>
+            <a:r>
+              <a:rPr lang="de-CH" dirty="0" err="1" smtClean="0"/>
+              <a:t>Timely</a:t>
+            </a:r>
+            <a:r>
+              <a:rPr lang="de-CH" dirty="0" smtClean="0"/>
+              <a:t> </a:t>
+            </a:r>
+            <a:r>
+              <a:rPr lang="de-CH" dirty="0" err="1" smtClean="0"/>
+              <a:t>error</a:t>
+            </a:r>
+            <a:r>
+              <a:rPr lang="de-CH" dirty="0" smtClean="0"/>
+              <a:t> </a:t>
+            </a:r>
+            <a:r>
+              <a:rPr lang="de-CH" dirty="0" err="1" smtClean="0"/>
+              <a:t>detection</a:t>
+            </a:r>
+            <a:endParaRPr lang="de-CH" dirty="0" smtClean="0"/>
+          </a:p>
+          <a:p>
+            <a:r>
+              <a:rPr lang="de-CH" dirty="0" err="1" smtClean="0"/>
+              <a:t>Good</a:t>
+            </a:r>
+            <a:r>
+              <a:rPr lang="de-CH" dirty="0" smtClean="0"/>
+              <a:t> </a:t>
+            </a:r>
+            <a:r>
+              <a:rPr lang="de-CH" dirty="0" err="1" smtClean="0"/>
+              <a:t>communication</a:t>
+            </a:r>
+            <a:endParaRPr lang="de-CH" dirty="0" smtClean="0"/>
+          </a:p>
+          <a:p>
+            <a:r>
+              <a:rPr lang="de-CH" dirty="0" smtClean="0"/>
+              <a:t>Problem </a:t>
+            </a:r>
+            <a:r>
+              <a:rPr lang="de-CH" dirty="0" err="1" smtClean="0"/>
+              <a:t>managment</a:t>
+            </a:r>
+            <a:endParaRPr lang="de-CH" dirty="0" smtClean="0"/>
+          </a:p>
+          <a:p>
+            <a:endParaRPr lang="de-CH" dirty="0" smtClean="0"/>
+          </a:p>
+          <a:p>
+            <a:endParaRPr lang="de-CH" dirty="0"/>
+          </a:p>
+          <a:p>
+            <a:endParaRPr lang="de-CH" dirty="0"/>
+          </a:p>
+        </p:txBody>
+      </p:sp>
+      <p:sp>
+        <p:nvSpPr>
+          <p:cNvPr id="3" name="Titel 2"/>
+          <p:cNvSpPr>
+            <a:spLocks noGrp="1"/>
+          </p:cNvSpPr>
+          <p:nvPr>
+            <p:ph type="ctrTitle"/>
+          </p:nvPr>
+        </p:nvSpPr>
+        <p:spPr/>
+        <p:txBody>
+          <a:bodyPr/>
+          <a:lstStyle/>
+          <a:p>
+            <a:r>
+              <a:rPr lang="de-CH" sz="2800" dirty="0" smtClean="0"/>
+              <a:t>Critical </a:t>
+            </a:r>
+            <a:r>
+              <a:rPr lang="de-CH" sz="2800" dirty="0"/>
+              <a:t>success factors </a:t>
+            </a:r>
+            <a:br>
+              <a:rPr lang="de-CH" sz="2800" dirty="0"/>
+            </a:br>
+            <a:endParaRPr lang="de-CH" dirty="0"/>
+          </a:p>
+        </p:txBody>
+      </p:sp>
+      <p:pic>
+        <p:nvPicPr>
+          <p:cNvPr id="1026" name="Picture 2" descr="C:\Users\Maurice\Desktop\4–Key–Success–Factors–Enable–Higher–Return–on–Innovation.jpg"/>
           <p:cNvPicPr>
             <a:picLocks noChangeAspect="1" noChangeArrowheads="1"/>
           </p:cNvPicPr>
@@ -7629,889 +8948,24 @@
         </p:blipFill>
         <p:spPr bwMode="auto">
           <a:xfrm>
-            <a:off x="5667659" y="3956772"/>
-            <a:ext cx="3315716" cy="1903700"/>
+            <a:off x="5548392" y="3592263"/>
+            <a:ext cx="3276385" cy="2350450"/>
           </a:xfrm>
           <a:prstGeom prst="rect">
             <a:avLst/>
           </a:prstGeom>
           <a:noFill/>
-          <a:ln>
-            <a:noFill/>
-          </a:ln>
           <a:extLst>
             <a:ext uri="{909E8E84-426E-40DD-AFC4-6F175D3DCCD1}">
               <a14:hiddenFill xmlns:a14="http://schemas.microsoft.com/office/drawing/2010/main">
                 <a:solidFill>
-                  <a:schemeClr val="accent1"/>
+                  <a:srgbClr val="FFFFFF"/>
                 </a:solidFill>
               </a14:hiddenFill>
-            </a:ext>
-            <a:ext uri="{91240B29-F687-4F45-9708-019B960494DF}">
-              <a14:hiddenLine xmlns:a14="http://schemas.microsoft.com/office/drawing/2010/main" w="9525">
-                <a:solidFill>
-                  <a:schemeClr val="tx1"/>
-                </a:solidFill>
-                <a:miter lim="800000"/>
-                <a:headEnd/>
-                <a:tailEnd/>
-              </a14:hiddenLine>
             </a:ext>
           </a:extLst>
         </p:spPr>
       </p:pic>
-    </p:spTree>
-    <p:extLst>
-      <p:ext uri="{BB962C8B-B14F-4D97-AF65-F5344CB8AC3E}">
-        <p14:creationId xmlns:p14="http://schemas.microsoft.com/office/powerpoint/2010/main" val="1121453056"/>
-      </p:ext>
-    </p:extLst>
-  </p:cSld>
-  <p:clrMapOvr>
-    <a:masterClrMapping/>
-  </p:clrMapOvr>
-</p:sld>
-</file>
-
-<file path=ppt/slides/slide4.xml><?xml version="1.0" encoding="utf-8"?>
-<p:sld xmlns:a="http://schemas.openxmlformats.org/drawingml/2006/main" xmlns:r="http://schemas.openxmlformats.org/officeDocument/2006/relationships" xmlns:p="http://schemas.openxmlformats.org/presentationml/2006/main">
-  <p:cSld>
-    <p:spTree>
-      <p:nvGrpSpPr>
-        <p:cNvPr id="1" name=""/>
-        <p:cNvGrpSpPr/>
-        <p:nvPr/>
-      </p:nvGrpSpPr>
-      <p:grpSpPr>
-        <a:xfrm>
-          <a:off x="0" y="0"/>
-          <a:ext cx="0" cy="0"/>
-          <a:chOff x="0" y="0"/>
-          <a:chExt cx="0" cy="0"/>
-        </a:xfrm>
-      </p:grpSpPr>
-      <p:sp>
-        <p:nvSpPr>
-          <p:cNvPr id="2" name="Inhaltsplatzhalter 1"/>
-          <p:cNvSpPr>
-            <a:spLocks noGrp="1"/>
-          </p:cNvSpPr>
-          <p:nvPr>
-            <p:ph sz="half" idx="1"/>
-          </p:nvPr>
-        </p:nvSpPr>
-        <p:spPr/>
-        <p:txBody>
-          <a:bodyPr/>
-          <a:lstStyle/>
-          <a:p>
-            <a:pPr marL="0" indent="0">
-              <a:buNone/>
-            </a:pPr>
-            <a:r>
-              <a:rPr lang="de-CH" dirty="0" err="1"/>
-              <a:t>Our</a:t>
-            </a:r>
-            <a:r>
-              <a:rPr lang="de-CH" dirty="0"/>
-              <a:t> </a:t>
-            </a:r>
-            <a:r>
-              <a:rPr lang="de-CH" dirty="0" err="1"/>
-              <a:t>system</a:t>
-            </a:r>
-            <a:r>
-              <a:rPr lang="de-CH" dirty="0"/>
-              <a:t> </a:t>
-            </a:r>
-            <a:r>
-              <a:rPr lang="de-CH" dirty="0" err="1"/>
-              <a:t>can</a:t>
-            </a:r>
-            <a:r>
-              <a:rPr lang="de-CH" dirty="0" smtClean="0"/>
-              <a:t>...</a:t>
-            </a:r>
-          </a:p>
-          <a:p>
-            <a:pPr marL="0" indent="0">
-              <a:buNone/>
-            </a:pPr>
-            <a:endParaRPr lang="de-CH" dirty="0"/>
-          </a:p>
-          <a:p>
-            <a:pPr lvl="0"/>
-            <a:r>
-              <a:rPr lang="de-CH" dirty="0"/>
-              <a:t>manage </a:t>
-            </a:r>
-            <a:r>
-              <a:rPr lang="de-CH" dirty="0" err="1"/>
-              <a:t>the</a:t>
-            </a:r>
-            <a:r>
-              <a:rPr lang="de-CH" dirty="0"/>
-              <a:t> care </a:t>
-            </a:r>
-            <a:r>
-              <a:rPr lang="de-CH" dirty="0" err="1"/>
-              <a:t>of</a:t>
-            </a:r>
-            <a:r>
-              <a:rPr lang="de-CH" dirty="0"/>
-              <a:t> </a:t>
-            </a:r>
-            <a:r>
-              <a:rPr lang="de-CH" dirty="0" err="1"/>
-              <a:t>patients</a:t>
-            </a:r>
-            <a:r>
-              <a:rPr lang="de-CH" dirty="0"/>
-              <a:t> </a:t>
-            </a:r>
-            <a:r>
-              <a:rPr lang="de-CH" dirty="0" err="1"/>
-              <a:t>with</a:t>
-            </a:r>
-            <a:r>
-              <a:rPr lang="de-CH" dirty="0"/>
-              <a:t> mental </a:t>
-            </a:r>
-            <a:r>
-              <a:rPr lang="de-CH" dirty="0" err="1"/>
-              <a:t>health</a:t>
-            </a:r>
-            <a:r>
-              <a:rPr lang="de-CH" dirty="0"/>
-              <a:t> </a:t>
-            </a:r>
-            <a:r>
-              <a:rPr lang="de-CH" dirty="0" err="1"/>
-              <a:t>problems</a:t>
-            </a:r>
-            <a:endParaRPr lang="de-CH" dirty="0"/>
-          </a:p>
-          <a:p>
-            <a:pPr lvl="0"/>
-            <a:r>
-              <a:rPr lang="fr-CH" dirty="0" err="1"/>
-              <a:t>provide</a:t>
-            </a:r>
-            <a:r>
-              <a:rPr lang="fr-CH" dirty="0"/>
-              <a:t> </a:t>
-            </a:r>
-            <a:r>
-              <a:rPr lang="fr-CH" dirty="0" err="1"/>
-              <a:t>medical</a:t>
-            </a:r>
-            <a:r>
-              <a:rPr lang="fr-CH" dirty="0"/>
-              <a:t> staff </a:t>
-            </a:r>
-            <a:r>
-              <a:rPr lang="fr-CH" dirty="0" err="1"/>
-              <a:t>with</a:t>
-            </a:r>
-            <a:r>
-              <a:rPr lang="fr-CH" dirty="0"/>
-              <a:t> </a:t>
-            </a:r>
-            <a:r>
-              <a:rPr lang="fr-CH" dirty="0" err="1"/>
-              <a:t>timely</a:t>
-            </a:r>
-            <a:r>
-              <a:rPr lang="fr-CH" dirty="0"/>
-              <a:t> </a:t>
-            </a:r>
-            <a:r>
-              <a:rPr lang="fr-CH" dirty="0" smtClean="0"/>
-              <a:t>information</a:t>
-            </a:r>
-          </a:p>
-          <a:p>
-            <a:pPr lvl="0"/>
-            <a:r>
-              <a:rPr lang="fr-CH" dirty="0" err="1" smtClean="0"/>
-              <a:t>facilitate</a:t>
-            </a:r>
-            <a:r>
-              <a:rPr lang="fr-CH" dirty="0" smtClean="0"/>
-              <a:t> </a:t>
-            </a:r>
-            <a:r>
-              <a:rPr lang="fr-CH" dirty="0" err="1"/>
-              <a:t>treatment</a:t>
-            </a:r>
-            <a:r>
-              <a:rPr lang="fr-CH" dirty="0"/>
-              <a:t> of </a:t>
-            </a:r>
-            <a:r>
-              <a:rPr lang="fr-CH" dirty="0" smtClean="0"/>
-              <a:t>patients</a:t>
-            </a:r>
-          </a:p>
-          <a:p>
-            <a:pPr lvl="0"/>
-            <a:r>
-              <a:rPr lang="en-US" dirty="0" smtClean="0"/>
-              <a:t>generate </a:t>
-            </a:r>
-            <a:r>
-              <a:rPr lang="en-US" dirty="0"/>
-              <a:t>management information that allows health service managers to assess performance against local and government targets </a:t>
-            </a:r>
-            <a:endParaRPr lang="de-CH" dirty="0"/>
-          </a:p>
-          <a:p>
-            <a:pPr lvl="0"/>
-            <a:r>
-              <a:rPr lang="de-CH" dirty="0" err="1" smtClean="0"/>
-              <a:t>give</a:t>
-            </a:r>
-            <a:r>
-              <a:rPr lang="de-CH" dirty="0" smtClean="0"/>
-              <a:t> </a:t>
-            </a:r>
-            <a:r>
-              <a:rPr lang="de-CH" dirty="0" err="1"/>
-              <a:t>doctor</a:t>
-            </a:r>
-            <a:r>
-              <a:rPr lang="de-CH" dirty="0"/>
-              <a:t> </a:t>
-            </a:r>
-            <a:r>
-              <a:rPr lang="de-CH" dirty="0" err="1"/>
-              <a:t>detailed</a:t>
-            </a:r>
-            <a:r>
-              <a:rPr lang="de-CH" dirty="0"/>
-              <a:t> </a:t>
-            </a:r>
-            <a:r>
-              <a:rPr lang="de-CH" dirty="0" err="1"/>
-              <a:t>knowledge</a:t>
-            </a:r>
-            <a:r>
-              <a:rPr lang="de-CH" dirty="0"/>
-              <a:t> </a:t>
-            </a:r>
-            <a:r>
-              <a:rPr lang="de-CH" dirty="0" err="1"/>
-              <a:t>of</a:t>
-            </a:r>
-            <a:r>
-              <a:rPr lang="de-CH" dirty="0"/>
-              <a:t> </a:t>
-            </a:r>
-            <a:r>
-              <a:rPr lang="de-CH" dirty="0" err="1"/>
-              <a:t>patients</a:t>
-            </a:r>
-            <a:r>
-              <a:rPr lang="de-CH" dirty="0"/>
-              <a:t> </a:t>
-            </a:r>
-            <a:r>
-              <a:rPr lang="de-CH" dirty="0" err="1"/>
-              <a:t>problems</a:t>
-            </a:r>
-            <a:endParaRPr lang="de-CH" dirty="0"/>
-          </a:p>
-          <a:p>
-            <a:pPr lvl="0"/>
-            <a:r>
-              <a:rPr lang="de-CH" dirty="0" err="1"/>
-              <a:t>exchange</a:t>
-            </a:r>
-            <a:r>
-              <a:rPr lang="de-CH" dirty="0"/>
-              <a:t> </a:t>
-            </a:r>
-            <a:r>
-              <a:rPr lang="de-CH" dirty="0" err="1"/>
-              <a:t>data</a:t>
-            </a:r>
-            <a:r>
-              <a:rPr lang="de-CH" dirty="0"/>
-              <a:t> </a:t>
-            </a:r>
-            <a:r>
-              <a:rPr lang="de-CH" dirty="0" err="1"/>
-              <a:t>from</a:t>
-            </a:r>
-            <a:r>
-              <a:rPr lang="de-CH" dirty="0"/>
-              <a:t> </a:t>
-            </a:r>
-            <a:r>
-              <a:rPr lang="de-CH" dirty="0" err="1"/>
-              <a:t>and</a:t>
-            </a:r>
-            <a:r>
-              <a:rPr lang="de-CH" dirty="0"/>
-              <a:t> </a:t>
-            </a:r>
-            <a:r>
-              <a:rPr lang="de-CH" dirty="0" err="1"/>
-              <a:t>to</a:t>
-            </a:r>
-            <a:r>
-              <a:rPr lang="de-CH" dirty="0"/>
-              <a:t> different </a:t>
-            </a:r>
-            <a:r>
-              <a:rPr lang="de-CH" dirty="0" err="1" smtClean="0"/>
-              <a:t>clinics</a:t>
-            </a:r>
-            <a:r>
-              <a:rPr lang="de-CH" dirty="0" smtClean="0"/>
-              <a:t>(</a:t>
-            </a:r>
-            <a:r>
-              <a:rPr lang="de-CH" dirty="0" err="1" smtClean="0"/>
-              <a:t>hospital</a:t>
-            </a:r>
-            <a:r>
-              <a:rPr lang="de-CH" dirty="0" smtClean="0"/>
-              <a:t>, </a:t>
-            </a:r>
-            <a:r>
-              <a:rPr lang="de-CH" dirty="0" err="1" smtClean="0"/>
-              <a:t>medical</a:t>
-            </a:r>
-            <a:r>
-              <a:rPr lang="de-CH" dirty="0" smtClean="0"/>
-              <a:t> </a:t>
-            </a:r>
-            <a:r>
-              <a:rPr lang="de-CH" dirty="0" err="1" smtClean="0"/>
-              <a:t>practices</a:t>
-            </a:r>
-            <a:r>
-              <a:rPr lang="de-CH" dirty="0" smtClean="0"/>
-              <a:t>, </a:t>
-            </a:r>
-            <a:r>
-              <a:rPr lang="de-CH" dirty="0" err="1" smtClean="0"/>
-              <a:t>community</a:t>
-            </a:r>
-            <a:r>
-              <a:rPr lang="de-CH" dirty="0" smtClean="0"/>
-              <a:t> </a:t>
-            </a:r>
-            <a:r>
-              <a:rPr lang="de-CH" dirty="0" err="1" smtClean="0"/>
-              <a:t>centers</a:t>
-            </a:r>
-            <a:r>
-              <a:rPr lang="de-CH" dirty="0" smtClean="0"/>
-              <a:t>)</a:t>
-            </a:r>
-          </a:p>
-          <a:p>
-            <a:pPr marL="0" indent="0">
-              <a:buNone/>
-            </a:pPr>
-            <a:endParaRPr lang="de-CH" dirty="0"/>
-          </a:p>
-        </p:txBody>
-      </p:sp>
-      <p:sp>
-        <p:nvSpPr>
-          <p:cNvPr id="3" name="Titel 2"/>
-          <p:cNvSpPr>
-            <a:spLocks noGrp="1"/>
-          </p:cNvSpPr>
-          <p:nvPr>
-            <p:ph type="ctrTitle"/>
-          </p:nvPr>
-        </p:nvSpPr>
-        <p:spPr>
-          <a:xfrm>
-            <a:off x="468000" y="360000"/>
-            <a:ext cx="8100000" cy="878250"/>
-          </a:xfrm>
-        </p:spPr>
-        <p:txBody>
-          <a:bodyPr/>
-          <a:lstStyle/>
-          <a:p>
-            <a:r>
-              <a:rPr lang="en-US" sz="2800" dirty="0" smtClean="0"/>
-              <a:t>Key features</a:t>
-            </a:r>
-            <a:endParaRPr lang="de-CH" dirty="0"/>
-          </a:p>
-        </p:txBody>
-      </p:sp>
-    </p:spTree>
-    <p:extLst>
-      <p:ext uri="{BB962C8B-B14F-4D97-AF65-F5344CB8AC3E}">
-        <p14:creationId xmlns:p14="http://schemas.microsoft.com/office/powerpoint/2010/main" val="1842710398"/>
-      </p:ext>
-    </p:extLst>
-  </p:cSld>
-  <p:clrMapOvr>
-    <a:masterClrMapping/>
-  </p:clrMapOvr>
-</p:sld>
-</file>
-
-<file path=ppt/slides/slide5.xml><?xml version="1.0" encoding="utf-8"?>
-<p:sld xmlns:a="http://schemas.openxmlformats.org/drawingml/2006/main" xmlns:r="http://schemas.openxmlformats.org/officeDocument/2006/relationships" xmlns:p="http://schemas.openxmlformats.org/presentationml/2006/main">
-  <p:cSld>
-    <p:spTree>
-      <p:nvGrpSpPr>
-        <p:cNvPr id="1" name=""/>
-        <p:cNvGrpSpPr/>
-        <p:nvPr/>
-      </p:nvGrpSpPr>
-      <p:grpSpPr>
-        <a:xfrm>
-          <a:off x="0" y="0"/>
-          <a:ext cx="0" cy="0"/>
-          <a:chOff x="0" y="0"/>
-          <a:chExt cx="0" cy="0"/>
-        </a:xfrm>
-      </p:grpSpPr>
-      <p:sp>
-        <p:nvSpPr>
-          <p:cNvPr id="2" name="Inhaltsplatzhalter 1"/>
-          <p:cNvSpPr>
-            <a:spLocks noGrp="1"/>
-          </p:cNvSpPr>
-          <p:nvPr>
-            <p:ph sz="half" idx="1"/>
-          </p:nvPr>
-        </p:nvSpPr>
-        <p:spPr/>
-        <p:txBody>
-          <a:bodyPr/>
-          <a:lstStyle/>
-          <a:p>
-            <a:pPr marL="0" indent="0">
-              <a:buNone/>
-            </a:pPr>
-            <a:r>
-              <a:rPr lang="de-CH" dirty="0" err="1"/>
-              <a:t>Our</a:t>
-            </a:r>
-            <a:r>
-              <a:rPr lang="de-CH" dirty="0"/>
-              <a:t> </a:t>
-            </a:r>
-            <a:r>
-              <a:rPr lang="de-CH" dirty="0" err="1"/>
-              <a:t>system</a:t>
-            </a:r>
-            <a:r>
-              <a:rPr lang="de-CH" dirty="0"/>
-              <a:t> </a:t>
-            </a:r>
-            <a:r>
-              <a:rPr lang="de-CH" dirty="0" err="1"/>
-              <a:t>can</a:t>
-            </a:r>
-            <a:r>
-              <a:rPr lang="de-CH" dirty="0" smtClean="0"/>
-              <a:t>...</a:t>
-            </a:r>
-          </a:p>
-          <a:p>
-            <a:pPr marL="0" indent="0">
-              <a:buNone/>
-            </a:pPr>
-            <a:endParaRPr lang="de-CH" dirty="0"/>
-          </a:p>
-          <a:p>
-            <a:pPr lvl="0"/>
-            <a:r>
-              <a:rPr lang="de-CH" dirty="0" err="1" smtClean="0"/>
-              <a:t>change</a:t>
-            </a:r>
-            <a:r>
-              <a:rPr lang="de-CH" dirty="0" smtClean="0"/>
-              <a:t> </a:t>
-            </a:r>
-            <a:r>
-              <a:rPr lang="de-CH" dirty="0" err="1"/>
-              <a:t>addresses</a:t>
-            </a:r>
-            <a:r>
-              <a:rPr lang="de-CH" dirty="0"/>
-              <a:t> </a:t>
-            </a:r>
-            <a:r>
-              <a:rPr lang="de-CH" dirty="0" err="1" smtClean="0"/>
-              <a:t>dynamicly</a:t>
-            </a:r>
-            <a:r>
-              <a:rPr lang="de-CH" dirty="0" smtClean="0"/>
-              <a:t> </a:t>
-            </a:r>
-            <a:r>
-              <a:rPr lang="de-CH" dirty="0" err="1" smtClean="0"/>
-              <a:t>and</a:t>
-            </a:r>
-            <a:r>
-              <a:rPr lang="de-CH" dirty="0" smtClean="0"/>
-              <a:t> </a:t>
-            </a:r>
-            <a:r>
-              <a:rPr lang="de-CH" dirty="0" err="1" smtClean="0"/>
-              <a:t>support</a:t>
-            </a:r>
-            <a:r>
-              <a:rPr lang="de-CH" dirty="0" smtClean="0"/>
-              <a:t> </a:t>
-            </a:r>
-            <a:r>
-              <a:rPr lang="de-CH" dirty="0" err="1" smtClean="0"/>
-              <a:t>patient’s</a:t>
-            </a:r>
-            <a:r>
-              <a:rPr lang="de-CH" dirty="0" smtClean="0"/>
-              <a:t> </a:t>
-            </a:r>
-            <a:r>
-              <a:rPr lang="de-CH" dirty="0" err="1" smtClean="0"/>
-              <a:t>with</a:t>
-            </a:r>
-            <a:r>
-              <a:rPr lang="de-CH" dirty="0" smtClean="0"/>
-              <a:t> </a:t>
-            </a:r>
-            <a:r>
-              <a:rPr lang="de-CH" dirty="0" err="1" smtClean="0"/>
-              <a:t>none</a:t>
-            </a:r>
-            <a:endParaRPr lang="de-CH" dirty="0"/>
-          </a:p>
-          <a:p>
-            <a:pPr lvl="0"/>
-            <a:r>
-              <a:rPr lang="fr-CH" dirty="0" err="1" smtClean="0"/>
-              <a:t>be</a:t>
-            </a:r>
-            <a:r>
-              <a:rPr lang="fr-CH" dirty="0" smtClean="0"/>
-              <a:t> </a:t>
-            </a:r>
-            <a:r>
-              <a:rPr lang="fr-CH" dirty="0" err="1"/>
-              <a:t>used</a:t>
-            </a:r>
-            <a:r>
-              <a:rPr lang="fr-CH" dirty="0"/>
-              <a:t> as a </a:t>
-            </a:r>
-            <a:r>
-              <a:rPr lang="fr-CH" dirty="0" err="1"/>
-              <a:t>organising</a:t>
-            </a:r>
-            <a:r>
-              <a:rPr lang="fr-CH" dirty="0"/>
-              <a:t> </a:t>
-            </a:r>
-            <a:r>
-              <a:rPr lang="fr-CH" dirty="0" err="1"/>
-              <a:t>tool</a:t>
-            </a:r>
-            <a:r>
-              <a:rPr lang="fr-CH" dirty="0"/>
-              <a:t> for </a:t>
-            </a:r>
-            <a:r>
-              <a:rPr lang="fr-CH" dirty="0" err="1"/>
-              <a:t>appointments</a:t>
-            </a:r>
-            <a:r>
-              <a:rPr lang="fr-CH" dirty="0"/>
-              <a:t>, records, etc</a:t>
-            </a:r>
-            <a:r>
-              <a:rPr lang="fr-CH" dirty="0" smtClean="0"/>
-              <a:t>.</a:t>
-            </a:r>
-            <a:endParaRPr lang="de-CH" dirty="0"/>
-          </a:p>
-          <a:p>
-            <a:r>
-              <a:rPr lang="de-CH" dirty="0" err="1"/>
-              <a:t>generate</a:t>
-            </a:r>
-            <a:r>
-              <a:rPr lang="de-CH" dirty="0"/>
-              <a:t> </a:t>
-            </a:r>
-            <a:r>
-              <a:rPr lang="de-CH" dirty="0" err="1"/>
-              <a:t>reports</a:t>
-            </a:r>
-            <a:r>
-              <a:rPr lang="de-CH" dirty="0"/>
-              <a:t> </a:t>
-            </a:r>
-            <a:r>
-              <a:rPr lang="de-CH" dirty="0" err="1"/>
-              <a:t>for</a:t>
-            </a:r>
-            <a:r>
-              <a:rPr lang="de-CH" dirty="0"/>
-              <a:t> </a:t>
-            </a:r>
-            <a:r>
-              <a:rPr lang="de-CH" dirty="0" err="1"/>
-              <a:t>hospital</a:t>
-            </a:r>
-            <a:r>
-              <a:rPr lang="de-CH" dirty="0"/>
-              <a:t> </a:t>
-            </a:r>
-            <a:r>
-              <a:rPr lang="de-CH" dirty="0" err="1"/>
-              <a:t>management</a:t>
-            </a:r>
-            <a:endParaRPr lang="de-CH" dirty="0"/>
-          </a:p>
-          <a:p>
-            <a:r>
-              <a:rPr lang="de-CH" dirty="0" err="1"/>
-              <a:t>govern</a:t>
-            </a:r>
-            <a:r>
-              <a:rPr lang="de-CH" dirty="0"/>
-              <a:t> </a:t>
-            </a:r>
-            <a:r>
-              <a:rPr lang="de-CH" dirty="0" err="1"/>
-              <a:t>the</a:t>
-            </a:r>
-            <a:r>
-              <a:rPr lang="de-CH" dirty="0"/>
-              <a:t> </a:t>
-            </a:r>
-            <a:r>
-              <a:rPr lang="de-CH" dirty="0" err="1"/>
-              <a:t>confidentiality</a:t>
-            </a:r>
-            <a:r>
-              <a:rPr lang="de-CH" dirty="0"/>
-              <a:t> </a:t>
-            </a:r>
-            <a:r>
-              <a:rPr lang="de-CH" dirty="0" err="1"/>
-              <a:t>of</a:t>
-            </a:r>
-            <a:r>
-              <a:rPr lang="de-CH" dirty="0"/>
-              <a:t> personal </a:t>
-            </a:r>
-            <a:r>
-              <a:rPr lang="de-CH" dirty="0" err="1"/>
-              <a:t>information</a:t>
-            </a:r>
-            <a:endParaRPr lang="de-CH" dirty="0"/>
-          </a:p>
-          <a:p>
-            <a:pPr lvl="0"/>
-            <a:endParaRPr lang="de-CH" dirty="0"/>
-          </a:p>
-        </p:txBody>
-      </p:sp>
-      <p:sp>
-        <p:nvSpPr>
-          <p:cNvPr id="3" name="Titel 2"/>
-          <p:cNvSpPr>
-            <a:spLocks noGrp="1"/>
-          </p:cNvSpPr>
-          <p:nvPr>
-            <p:ph type="ctrTitle"/>
-          </p:nvPr>
-        </p:nvSpPr>
-        <p:spPr>
-          <a:xfrm>
-            <a:off x="468000" y="360000"/>
-            <a:ext cx="8100000" cy="878250"/>
-          </a:xfrm>
-        </p:spPr>
-        <p:txBody>
-          <a:bodyPr/>
-          <a:lstStyle/>
-          <a:p>
-            <a:r>
-              <a:rPr lang="en-US" sz="2800" dirty="0" smtClean="0"/>
-              <a:t>Key features</a:t>
-            </a:r>
-            <a:endParaRPr lang="de-CH" dirty="0"/>
-          </a:p>
-        </p:txBody>
-      </p:sp>
-    </p:spTree>
-    <p:extLst>
-      <p:ext uri="{BB962C8B-B14F-4D97-AF65-F5344CB8AC3E}">
-        <p14:creationId xmlns:p14="http://schemas.microsoft.com/office/powerpoint/2010/main" val="3077091144"/>
-      </p:ext>
-    </p:extLst>
-  </p:cSld>
-  <p:clrMapOvr>
-    <a:masterClrMapping/>
-  </p:clrMapOvr>
-</p:sld>
-</file>
-
-<file path=ppt/slides/slide6.xml><?xml version="1.0" encoding="utf-8"?>
-<p:sld xmlns:a="http://schemas.openxmlformats.org/drawingml/2006/main" xmlns:r="http://schemas.openxmlformats.org/officeDocument/2006/relationships" xmlns:p="http://schemas.openxmlformats.org/presentationml/2006/main">
-  <p:cSld>
-    <p:spTree>
-      <p:nvGrpSpPr>
-        <p:cNvPr id="1" name=""/>
-        <p:cNvGrpSpPr/>
-        <p:nvPr/>
-      </p:nvGrpSpPr>
-      <p:grpSpPr>
-        <a:xfrm>
-          <a:off x="0" y="0"/>
-          <a:ext cx="0" cy="0"/>
-          <a:chOff x="0" y="0"/>
-          <a:chExt cx="0" cy="0"/>
-        </a:xfrm>
-      </p:grpSpPr>
-      <p:sp>
-        <p:nvSpPr>
-          <p:cNvPr id="2" name="Inhaltsplatzhalter 1"/>
-          <p:cNvSpPr>
-            <a:spLocks noGrp="1"/>
-          </p:cNvSpPr>
-          <p:nvPr>
-            <p:ph sz="half" idx="1"/>
-          </p:nvPr>
-        </p:nvSpPr>
-        <p:spPr/>
-        <p:txBody>
-          <a:bodyPr/>
-          <a:lstStyle/>
-          <a:p>
-            <a:r>
-              <a:rPr lang="de-CH" dirty="0" err="1" smtClean="0"/>
-              <a:t>sufficient</a:t>
-            </a:r>
-            <a:r>
-              <a:rPr lang="de-CH" dirty="0" smtClean="0"/>
-              <a:t> </a:t>
-            </a:r>
-            <a:r>
-              <a:rPr lang="de-CH" dirty="0" err="1" smtClean="0"/>
-              <a:t>resources</a:t>
-            </a:r>
-            <a:endParaRPr lang="de-CH" dirty="0"/>
-          </a:p>
-          <a:p>
-            <a:r>
-              <a:rPr lang="de-CH" dirty="0" err="1" smtClean="0"/>
-              <a:t>Timely</a:t>
-            </a:r>
-            <a:r>
-              <a:rPr lang="de-CH" dirty="0" smtClean="0"/>
-              <a:t> </a:t>
-            </a:r>
-            <a:r>
-              <a:rPr lang="de-CH" dirty="0" err="1" smtClean="0"/>
-              <a:t>error</a:t>
-            </a:r>
-            <a:r>
-              <a:rPr lang="de-CH" dirty="0" smtClean="0"/>
-              <a:t> </a:t>
-            </a:r>
-            <a:r>
-              <a:rPr lang="de-CH" dirty="0" err="1" smtClean="0"/>
-              <a:t>detection</a:t>
-            </a:r>
-            <a:endParaRPr lang="de-CH" dirty="0" smtClean="0"/>
-          </a:p>
-          <a:p>
-            <a:r>
-              <a:rPr lang="de-CH" dirty="0" err="1" smtClean="0"/>
-              <a:t>Good</a:t>
-            </a:r>
-            <a:r>
-              <a:rPr lang="de-CH" dirty="0" smtClean="0"/>
-              <a:t> </a:t>
-            </a:r>
-            <a:r>
-              <a:rPr lang="de-CH" dirty="0" err="1" smtClean="0"/>
-              <a:t>communication</a:t>
-            </a:r>
-            <a:endParaRPr lang="de-CH" dirty="0" smtClean="0"/>
-          </a:p>
-          <a:p>
-            <a:r>
-              <a:rPr lang="de-CH" dirty="0" smtClean="0"/>
-              <a:t>Problem </a:t>
-            </a:r>
-            <a:r>
-              <a:rPr lang="de-CH" dirty="0" err="1" smtClean="0"/>
-              <a:t>managment</a:t>
-            </a:r>
-            <a:endParaRPr lang="de-CH" dirty="0" smtClean="0"/>
-          </a:p>
-          <a:p>
-            <a:endParaRPr lang="de-CH" dirty="0" smtClean="0"/>
-          </a:p>
-          <a:p>
-            <a:endParaRPr lang="de-CH" dirty="0"/>
-          </a:p>
-          <a:p>
-            <a:endParaRPr lang="de-CH" dirty="0"/>
-          </a:p>
-        </p:txBody>
-      </p:sp>
-      <p:sp>
-        <p:nvSpPr>
-          <p:cNvPr id="3" name="Titel 2"/>
-          <p:cNvSpPr>
-            <a:spLocks noGrp="1"/>
-          </p:cNvSpPr>
-          <p:nvPr>
-            <p:ph type="ctrTitle"/>
-          </p:nvPr>
-        </p:nvSpPr>
-        <p:spPr/>
-        <p:txBody>
-          <a:bodyPr/>
-          <a:lstStyle/>
-          <a:p>
-            <a:r>
-              <a:rPr lang="de-CH" sz="2800" dirty="0" smtClean="0"/>
-              <a:t>Critical </a:t>
-            </a:r>
-            <a:r>
-              <a:rPr lang="de-CH" sz="2800" dirty="0" err="1"/>
-              <a:t>success</a:t>
-            </a:r>
-            <a:r>
-              <a:rPr lang="de-CH" sz="2800" dirty="0"/>
-              <a:t> </a:t>
-            </a:r>
-            <a:r>
-              <a:rPr lang="de-CH" sz="2800" dirty="0" err="1"/>
-              <a:t>factors</a:t>
-            </a:r>
-            <a:r>
-              <a:rPr lang="de-CH" sz="2800" dirty="0"/>
-              <a:t> </a:t>
-            </a:r>
-            <a:br>
-              <a:rPr lang="de-CH" sz="2800" dirty="0"/>
-            </a:br>
-            <a:endParaRPr lang="de-CH" dirty="0"/>
-          </a:p>
-        </p:txBody>
-      </p:sp>
     </p:spTree>
     <p:extLst>
       <p:ext uri="{BB962C8B-B14F-4D97-AF65-F5344CB8AC3E}">
@@ -8522,6 +8976,13 @@
   <p:clrMapOvr>
     <a:masterClrMapping/>
   </p:clrMapOvr>
+  <p:timing>
+    <p:tnLst>
+      <p:par>
+        <p:cTn id="1" dur="indefinite" restart="never" nodeType="tmRoot"/>
+      </p:par>
+    </p:tnLst>
+  </p:timing>
 </p:sld>
 </file>
 
@@ -8595,6 +9056,13 @@
   <p:clrMapOvr>
     <a:masterClrMapping/>
   </p:clrMapOvr>
+  <p:timing>
+    <p:tnLst>
+      <p:par>
+        <p:cTn id="1" dur="indefinite" restart="never" nodeType="tmRoot"/>
+      </p:par>
+    </p:tnLst>
+  </p:timing>
 </p:sld>
 </file>
 

--- a/doc/Task01/Task01.pptx
+++ b/doc/Task01/Task01.pptx
@@ -148,7 +148,7 @@
   </p:defaultTextStyle>
   <p:extLst>
     <p:ext uri="{EFAFB233-063F-42B5-8137-9DF3F51BA10A}">
-      <p15:sldGuideLst xmlns="" xmlns:p15="http://schemas.microsoft.com/office/powerpoint/2012/main">
+      <p15:sldGuideLst xmlns:p15="http://schemas.microsoft.com/office/powerpoint/2012/main" xmlns="">
         <p15:guide id="1" orient="horz" pos="2160">
           <p15:clr>
             <a:srgbClr val="A4A3A4"/>
@@ -162,7 +162,7 @@
       </p15:sldGuideLst>
     </p:ext>
     <p:ext uri="{2D200454-40CA-4A62-9FC3-DE9A4176ACB9}">
-      <p15:notesGuideLst xmlns="" xmlns:p15="http://schemas.microsoft.com/office/powerpoint/2012/main">
+      <p15:notesGuideLst xmlns:p15="http://schemas.microsoft.com/office/powerpoint/2012/main" xmlns="">
         <p15:guide id="1" orient="horz" pos="3127">
           <p15:clr>
             <a:srgbClr val="A4A3A4"/>
@@ -261,7 +261,7 @@
           <a:p>
             <a:fld id="{EFA0D184-D464-48E9-9CA0-A94E873F6C2C}" type="datetimeFigureOut">
               <a:rPr lang="de-CH" smtClean="0"/>
-              <a:t>24.09.2015</a:t>
+              <a:t>25.09.2015</a:t>
             </a:fld>
             <a:endParaRPr lang="de-CH"/>
           </a:p>
@@ -426,7 +426,7 @@
           <a:p>
             <a:fld id="{5AF2B663-2BA9-4D7E-8201-5DE4109E1EDD}" type="datetimeFigureOut">
               <a:rPr lang="de-CH" smtClean="0"/>
-              <a:t>24.09.2015</a:t>
+              <a:t>25.09.2015</a:t>
             </a:fld>
             <a:endParaRPr lang="de-CH"/>
           </a:p>
@@ -7387,8 +7387,8 @@
           <a:lstStyle/>
           <a:p>
             <a:r>
-              <a:rPr lang="de-DE" dirty="0" smtClean="0"/>
-              <a:t>Task01</a:t>
+              <a:rPr lang="de-DE" dirty="0"/>
+              <a:t>Task01 First Analysis</a:t>
             </a:r>
             <a:endParaRPr lang="de-CH" dirty="0"/>
           </a:p>
@@ -7619,177 +7619,7 @@
   <p:timing>
     <p:tnLst>
       <p:par>
-        <p:cTn id="1" dur="indefinite" restart="never" nodeType="tmRoot">
-          <p:childTnLst>
-            <p:seq concurrent="1" nextAc="seek">
-              <p:cTn id="2" dur="indefinite" nodeType="mainSeq">
-                <p:childTnLst>
-                  <p:par>
-                    <p:cTn id="3" fill="hold">
-                      <p:stCondLst>
-                        <p:cond delay="indefinite"/>
-                      </p:stCondLst>
-                      <p:childTnLst>
-                        <p:par>
-                          <p:cTn id="4" fill="hold">
-                            <p:stCondLst>
-                              <p:cond delay="0"/>
-                            </p:stCondLst>
-                            <p:childTnLst>
-                              <p:par>
-                                <p:cTn id="5" presetID="1" presetClass="entr" presetSubtype="0" fill="hold" nodeType="clickEffect">
-                                  <p:stCondLst>
-                                    <p:cond delay="0"/>
-                                  </p:stCondLst>
-                                  <p:childTnLst>
-                                    <p:set>
-                                      <p:cBhvr>
-                                        <p:cTn id="6" dur="1" fill="hold">
-                                          <p:stCondLst>
-                                            <p:cond delay="0"/>
-                                          </p:stCondLst>
-                                        </p:cTn>
-                                        <p:tgtEl>
-                                          <p:spTgt spid="2">
-                                            <p:txEl>
-                                              <p:pRg st="0" end="0"/>
-                                            </p:txEl>
-                                          </p:spTgt>
-                                        </p:tgtEl>
-                                        <p:attrNameLst>
-                                          <p:attrName>style.visibility</p:attrName>
-                                        </p:attrNameLst>
-                                      </p:cBhvr>
-                                      <p:to>
-                                        <p:strVal val="visible"/>
-                                      </p:to>
-                                    </p:set>
-                                  </p:childTnLst>
-                                </p:cTn>
-                              </p:par>
-                            </p:childTnLst>
-                          </p:cTn>
-                        </p:par>
-                      </p:childTnLst>
-                    </p:cTn>
-                  </p:par>
-                  <p:par>
-                    <p:cTn id="7" fill="hold">
-                      <p:stCondLst>
-                        <p:cond delay="indefinite"/>
-                      </p:stCondLst>
-                      <p:childTnLst>
-                        <p:par>
-                          <p:cTn id="8" fill="hold">
-                            <p:stCondLst>
-                              <p:cond delay="0"/>
-                            </p:stCondLst>
-                            <p:childTnLst>
-                              <p:par>
-                                <p:cTn id="9" presetID="1" presetClass="entr" presetSubtype="0" fill="hold" nodeType="clickEffect">
-                                  <p:stCondLst>
-                                    <p:cond delay="0"/>
-                                  </p:stCondLst>
-                                  <p:childTnLst>
-                                    <p:set>
-                                      <p:cBhvr>
-                                        <p:cTn id="10" dur="1" fill="hold">
-                                          <p:stCondLst>
-                                            <p:cond delay="0"/>
-                                          </p:stCondLst>
-                                        </p:cTn>
-                                        <p:tgtEl>
-                                          <p:spTgt spid="2">
-                                            <p:txEl>
-                                              <p:pRg st="1" end="1"/>
-                                            </p:txEl>
-                                          </p:spTgt>
-                                        </p:tgtEl>
-                                        <p:attrNameLst>
-                                          <p:attrName>style.visibility</p:attrName>
-                                        </p:attrNameLst>
-                                      </p:cBhvr>
-                                      <p:to>
-                                        <p:strVal val="visible"/>
-                                      </p:to>
-                                    </p:set>
-                                  </p:childTnLst>
-                                </p:cTn>
-                              </p:par>
-                            </p:childTnLst>
-                          </p:cTn>
-                        </p:par>
-                      </p:childTnLst>
-                    </p:cTn>
-                  </p:par>
-                  <p:par>
-                    <p:cTn id="11" fill="hold">
-                      <p:stCondLst>
-                        <p:cond delay="indefinite"/>
-                      </p:stCondLst>
-                      <p:childTnLst>
-                        <p:par>
-                          <p:cTn id="12" fill="hold">
-                            <p:stCondLst>
-                              <p:cond delay="0"/>
-                            </p:stCondLst>
-                            <p:childTnLst>
-                              <p:par>
-                                <p:cTn id="13" presetID="1" presetClass="entr" presetSubtype="0" fill="hold" nodeType="clickEffect">
-                                  <p:stCondLst>
-                                    <p:cond delay="0"/>
-                                  </p:stCondLst>
-                                  <p:childTnLst>
-                                    <p:set>
-                                      <p:cBhvr>
-                                        <p:cTn id="14" dur="1" fill="hold">
-                                          <p:stCondLst>
-                                            <p:cond delay="0"/>
-                                          </p:stCondLst>
-                                        </p:cTn>
-                                        <p:tgtEl>
-                                          <p:spTgt spid="2">
-                                            <p:txEl>
-                                              <p:pRg st="2" end="2"/>
-                                            </p:txEl>
-                                          </p:spTgt>
-                                        </p:tgtEl>
-                                        <p:attrNameLst>
-                                          <p:attrName>style.visibility</p:attrName>
-                                        </p:attrNameLst>
-                                      </p:cBhvr>
-                                      <p:to>
-                                        <p:strVal val="visible"/>
-                                      </p:to>
-                                    </p:set>
-                                  </p:childTnLst>
-                                </p:cTn>
-                              </p:par>
-                            </p:childTnLst>
-                          </p:cTn>
-                        </p:par>
-                      </p:childTnLst>
-                    </p:cTn>
-                  </p:par>
-                </p:childTnLst>
-              </p:cTn>
-              <p:prevCondLst>
-                <p:cond evt="onPrev" delay="0">
-                  <p:tgtEl>
-                    <p:sldTgt/>
-                  </p:tgtEl>
-                </p:cond>
-              </p:prevCondLst>
-              <p:nextCondLst>
-                <p:cond evt="onNext" delay="0">
-                  <p:tgtEl>
-                    <p:sldTgt/>
-                  </p:tgtEl>
-                </p:cond>
-              </p:nextCondLst>
-            </p:seq>
-          </p:childTnLst>
-        </p:cTn>
+        <p:cTn id="1" dur="indefinite" restart="never" nodeType="tmRoot"/>
       </p:par>
     </p:tnLst>
   </p:timing>
@@ -8436,9 +8266,360 @@
   <p:timing>
     <p:tnLst>
       <p:par>
-        <p:cTn id="1" dur="indefinite" restart="never" nodeType="tmRoot"/>
+        <p:cTn id="1" dur="indefinite" restart="never" nodeType="tmRoot">
+          <p:childTnLst>
+            <p:seq concurrent="1" nextAc="seek">
+              <p:cTn id="2" dur="indefinite" nodeType="mainSeq">
+                <p:childTnLst>
+                  <p:par>
+                    <p:cTn id="3" fill="hold">
+                      <p:stCondLst>
+                        <p:cond delay="indefinite"/>
+                      </p:stCondLst>
+                      <p:childTnLst>
+                        <p:par>
+                          <p:cTn id="4" fill="hold">
+                            <p:stCondLst>
+                              <p:cond delay="0"/>
+                            </p:stCondLst>
+                            <p:childTnLst>
+                              <p:par>
+                                <p:cTn id="5" presetID="1" presetClass="entr" presetSubtype="0" fill="hold" grpId="0" nodeType="clickEffect">
+                                  <p:stCondLst>
+                                    <p:cond delay="0"/>
+                                  </p:stCondLst>
+                                  <p:childTnLst>
+                                    <p:set>
+                                      <p:cBhvr>
+                                        <p:cTn id="6" dur="1" fill="hold">
+                                          <p:stCondLst>
+                                            <p:cond delay="0"/>
+                                          </p:stCondLst>
+                                        </p:cTn>
+                                        <p:tgtEl>
+                                          <p:spTgt spid="2">
+                                            <p:txEl>
+                                              <p:pRg st="2" end="2"/>
+                                            </p:txEl>
+                                          </p:spTgt>
+                                        </p:tgtEl>
+                                        <p:attrNameLst>
+                                          <p:attrName>style.visibility</p:attrName>
+                                        </p:attrNameLst>
+                                      </p:cBhvr>
+                                      <p:to>
+                                        <p:strVal val="visible"/>
+                                      </p:to>
+                                    </p:set>
+                                  </p:childTnLst>
+                                </p:cTn>
+                              </p:par>
+                            </p:childTnLst>
+                          </p:cTn>
+                        </p:par>
+                      </p:childTnLst>
+                    </p:cTn>
+                  </p:par>
+                  <p:par>
+                    <p:cTn id="7" fill="hold">
+                      <p:stCondLst>
+                        <p:cond delay="indefinite"/>
+                      </p:stCondLst>
+                      <p:childTnLst>
+                        <p:par>
+                          <p:cTn id="8" fill="hold">
+                            <p:stCondLst>
+                              <p:cond delay="0"/>
+                            </p:stCondLst>
+                            <p:childTnLst>
+                              <p:par>
+                                <p:cTn id="9" presetID="1" presetClass="entr" presetSubtype="0" fill="hold" grpId="0" nodeType="clickEffect">
+                                  <p:stCondLst>
+                                    <p:cond delay="0"/>
+                                  </p:stCondLst>
+                                  <p:childTnLst>
+                                    <p:set>
+                                      <p:cBhvr>
+                                        <p:cTn id="10" dur="1" fill="hold">
+                                          <p:stCondLst>
+                                            <p:cond delay="0"/>
+                                          </p:stCondLst>
+                                        </p:cTn>
+                                        <p:tgtEl>
+                                          <p:spTgt spid="2">
+                                            <p:txEl>
+                                              <p:pRg st="3" end="3"/>
+                                            </p:txEl>
+                                          </p:spTgt>
+                                        </p:tgtEl>
+                                        <p:attrNameLst>
+                                          <p:attrName>style.visibility</p:attrName>
+                                        </p:attrNameLst>
+                                      </p:cBhvr>
+                                      <p:to>
+                                        <p:strVal val="visible"/>
+                                      </p:to>
+                                    </p:set>
+                                  </p:childTnLst>
+                                </p:cTn>
+                              </p:par>
+                            </p:childTnLst>
+                          </p:cTn>
+                        </p:par>
+                      </p:childTnLst>
+                    </p:cTn>
+                  </p:par>
+                  <p:par>
+                    <p:cTn id="11" fill="hold">
+                      <p:stCondLst>
+                        <p:cond delay="indefinite"/>
+                      </p:stCondLst>
+                      <p:childTnLst>
+                        <p:par>
+                          <p:cTn id="12" fill="hold">
+                            <p:stCondLst>
+                              <p:cond delay="0"/>
+                            </p:stCondLst>
+                            <p:childTnLst>
+                              <p:par>
+                                <p:cTn id="13" presetID="1" presetClass="entr" presetSubtype="0" fill="hold" grpId="0" nodeType="clickEffect">
+                                  <p:stCondLst>
+                                    <p:cond delay="0"/>
+                                  </p:stCondLst>
+                                  <p:childTnLst>
+                                    <p:set>
+                                      <p:cBhvr>
+                                        <p:cTn id="14" dur="1" fill="hold">
+                                          <p:stCondLst>
+                                            <p:cond delay="0"/>
+                                          </p:stCondLst>
+                                        </p:cTn>
+                                        <p:tgtEl>
+                                          <p:spTgt spid="2">
+                                            <p:txEl>
+                                              <p:pRg st="4" end="4"/>
+                                            </p:txEl>
+                                          </p:spTgt>
+                                        </p:tgtEl>
+                                        <p:attrNameLst>
+                                          <p:attrName>style.visibility</p:attrName>
+                                        </p:attrNameLst>
+                                      </p:cBhvr>
+                                      <p:to>
+                                        <p:strVal val="visible"/>
+                                      </p:to>
+                                    </p:set>
+                                  </p:childTnLst>
+                                </p:cTn>
+                              </p:par>
+                            </p:childTnLst>
+                          </p:cTn>
+                        </p:par>
+                      </p:childTnLst>
+                    </p:cTn>
+                  </p:par>
+                  <p:par>
+                    <p:cTn id="15" fill="hold">
+                      <p:stCondLst>
+                        <p:cond delay="indefinite"/>
+                      </p:stCondLst>
+                      <p:childTnLst>
+                        <p:par>
+                          <p:cTn id="16" fill="hold">
+                            <p:stCondLst>
+                              <p:cond delay="0"/>
+                            </p:stCondLst>
+                            <p:childTnLst>
+                              <p:par>
+                                <p:cTn id="17" presetID="1" presetClass="entr" presetSubtype="0" fill="hold" grpId="0" nodeType="clickEffect">
+                                  <p:stCondLst>
+                                    <p:cond delay="0"/>
+                                  </p:stCondLst>
+                                  <p:childTnLst>
+                                    <p:set>
+                                      <p:cBhvr>
+                                        <p:cTn id="18" dur="1" fill="hold">
+                                          <p:stCondLst>
+                                            <p:cond delay="0"/>
+                                          </p:stCondLst>
+                                        </p:cTn>
+                                        <p:tgtEl>
+                                          <p:spTgt spid="2">
+                                            <p:txEl>
+                                              <p:pRg st="5" end="5"/>
+                                            </p:txEl>
+                                          </p:spTgt>
+                                        </p:tgtEl>
+                                        <p:attrNameLst>
+                                          <p:attrName>style.visibility</p:attrName>
+                                        </p:attrNameLst>
+                                      </p:cBhvr>
+                                      <p:to>
+                                        <p:strVal val="visible"/>
+                                      </p:to>
+                                    </p:set>
+                                  </p:childTnLst>
+                                </p:cTn>
+                              </p:par>
+                            </p:childTnLst>
+                          </p:cTn>
+                        </p:par>
+                      </p:childTnLst>
+                    </p:cTn>
+                  </p:par>
+                  <p:par>
+                    <p:cTn id="19" fill="hold">
+                      <p:stCondLst>
+                        <p:cond delay="indefinite"/>
+                      </p:stCondLst>
+                      <p:childTnLst>
+                        <p:par>
+                          <p:cTn id="20" fill="hold">
+                            <p:stCondLst>
+                              <p:cond delay="0"/>
+                            </p:stCondLst>
+                            <p:childTnLst>
+                              <p:par>
+                                <p:cTn id="21" presetID="1" presetClass="entr" presetSubtype="0" fill="hold" grpId="0" nodeType="clickEffect">
+                                  <p:stCondLst>
+                                    <p:cond delay="0"/>
+                                  </p:stCondLst>
+                                  <p:childTnLst>
+                                    <p:set>
+                                      <p:cBhvr>
+                                        <p:cTn id="22" dur="1" fill="hold">
+                                          <p:stCondLst>
+                                            <p:cond delay="0"/>
+                                          </p:stCondLst>
+                                        </p:cTn>
+                                        <p:tgtEl>
+                                          <p:spTgt spid="2">
+                                            <p:txEl>
+                                              <p:pRg st="6" end="6"/>
+                                            </p:txEl>
+                                          </p:spTgt>
+                                        </p:tgtEl>
+                                        <p:attrNameLst>
+                                          <p:attrName>style.visibility</p:attrName>
+                                        </p:attrNameLst>
+                                      </p:cBhvr>
+                                      <p:to>
+                                        <p:strVal val="visible"/>
+                                      </p:to>
+                                    </p:set>
+                                  </p:childTnLst>
+                                </p:cTn>
+                              </p:par>
+                            </p:childTnLst>
+                          </p:cTn>
+                        </p:par>
+                      </p:childTnLst>
+                    </p:cTn>
+                  </p:par>
+                  <p:par>
+                    <p:cTn id="23" fill="hold">
+                      <p:stCondLst>
+                        <p:cond delay="indefinite"/>
+                      </p:stCondLst>
+                      <p:childTnLst>
+                        <p:par>
+                          <p:cTn id="24" fill="hold">
+                            <p:stCondLst>
+                              <p:cond delay="0"/>
+                            </p:stCondLst>
+                            <p:childTnLst>
+                              <p:par>
+                                <p:cTn id="25" presetID="1" presetClass="entr" presetSubtype="0" fill="hold" grpId="0" nodeType="clickEffect">
+                                  <p:stCondLst>
+                                    <p:cond delay="0"/>
+                                  </p:stCondLst>
+                                  <p:childTnLst>
+                                    <p:set>
+                                      <p:cBhvr>
+                                        <p:cTn id="26" dur="1" fill="hold">
+                                          <p:stCondLst>
+                                            <p:cond delay="0"/>
+                                          </p:stCondLst>
+                                        </p:cTn>
+                                        <p:tgtEl>
+                                          <p:spTgt spid="2">
+                                            <p:txEl>
+                                              <p:pRg st="7" end="7"/>
+                                            </p:txEl>
+                                          </p:spTgt>
+                                        </p:tgtEl>
+                                        <p:attrNameLst>
+                                          <p:attrName>style.visibility</p:attrName>
+                                        </p:attrNameLst>
+                                      </p:cBhvr>
+                                      <p:to>
+                                        <p:strVal val="visible"/>
+                                      </p:to>
+                                    </p:set>
+                                  </p:childTnLst>
+                                </p:cTn>
+                              </p:par>
+                              <p:par>
+                                <p:cTn id="27" presetID="1" presetClass="entr" presetSubtype="0" fill="hold" grpId="0" nodeType="withEffect">
+                                  <p:stCondLst>
+                                    <p:cond delay="0"/>
+                                  </p:stCondLst>
+                                  <p:childTnLst>
+                                    <p:set>
+                                      <p:cBhvr>
+                                        <p:cTn id="28" dur="1" fill="hold">
+                                          <p:stCondLst>
+                                            <p:cond delay="0"/>
+                                          </p:stCondLst>
+                                        </p:cTn>
+                                        <p:tgtEl>
+                                          <p:spTgt spid="2">
+                                            <p:txEl>
+                                              <p:pRg st="8" end="8"/>
+                                            </p:txEl>
+                                          </p:spTgt>
+                                        </p:tgtEl>
+                                        <p:attrNameLst>
+                                          <p:attrName>style.visibility</p:attrName>
+                                        </p:attrNameLst>
+                                      </p:cBhvr>
+                                      <p:to>
+                                        <p:strVal val="visible"/>
+                                      </p:to>
+                                    </p:set>
+                                  </p:childTnLst>
+                                </p:cTn>
+                              </p:par>
+                            </p:childTnLst>
+                          </p:cTn>
+                        </p:par>
+                      </p:childTnLst>
+                    </p:cTn>
+                  </p:par>
+                </p:childTnLst>
+              </p:cTn>
+              <p:prevCondLst>
+                <p:cond evt="onPrev" delay="0">
+                  <p:tgtEl>
+                    <p:sldTgt/>
+                  </p:tgtEl>
+                </p:cond>
+              </p:prevCondLst>
+              <p:nextCondLst>
+                <p:cond evt="onNext" delay="0">
+                  <p:tgtEl>
+                    <p:sldTgt/>
+                  </p:tgtEl>
+                </p:cond>
+              </p:nextCondLst>
+            </p:seq>
+          </p:childTnLst>
+        </p:cTn>
       </p:par>
     </p:tnLst>
+    <p:bldLst>
+      <p:bldP spid="2" grpId="0" uiExpand="1" build="p"/>
+    </p:bldLst>
   </p:timing>
 </p:sld>
 </file>
@@ -8782,9 +8963,231 @@
   <p:timing>
     <p:tnLst>
       <p:par>
-        <p:cTn id="1" dur="indefinite" restart="never" nodeType="tmRoot"/>
+        <p:cTn id="1" dur="indefinite" restart="never" nodeType="tmRoot">
+          <p:childTnLst>
+            <p:seq concurrent="1" nextAc="seek">
+              <p:cTn id="2" dur="indefinite" nodeType="mainSeq">
+                <p:childTnLst>
+                  <p:par>
+                    <p:cTn id="3" fill="hold">
+                      <p:stCondLst>
+                        <p:cond delay="indefinite"/>
+                      </p:stCondLst>
+                      <p:childTnLst>
+                        <p:par>
+                          <p:cTn id="4" fill="hold">
+                            <p:stCondLst>
+                              <p:cond delay="0"/>
+                            </p:stCondLst>
+                            <p:childTnLst>
+                              <p:par>
+                                <p:cTn id="5" presetID="1" presetClass="entr" presetSubtype="0" fill="hold" grpId="0" nodeType="clickEffect">
+                                  <p:stCondLst>
+                                    <p:cond delay="0"/>
+                                  </p:stCondLst>
+                                  <p:childTnLst>
+                                    <p:set>
+                                      <p:cBhvr>
+                                        <p:cTn id="6" dur="1" fill="hold">
+                                          <p:stCondLst>
+                                            <p:cond delay="0"/>
+                                          </p:stCondLst>
+                                        </p:cTn>
+                                        <p:tgtEl>
+                                          <p:spTgt spid="2">
+                                            <p:txEl>
+                                              <p:pRg st="2" end="2"/>
+                                            </p:txEl>
+                                          </p:spTgt>
+                                        </p:tgtEl>
+                                        <p:attrNameLst>
+                                          <p:attrName>style.visibility</p:attrName>
+                                        </p:attrNameLst>
+                                      </p:cBhvr>
+                                      <p:to>
+                                        <p:strVal val="visible"/>
+                                      </p:to>
+                                    </p:set>
+                                  </p:childTnLst>
+                                </p:cTn>
+                              </p:par>
+                            </p:childTnLst>
+                          </p:cTn>
+                        </p:par>
+                      </p:childTnLst>
+                    </p:cTn>
+                  </p:par>
+                  <p:par>
+                    <p:cTn id="7" fill="hold">
+                      <p:stCondLst>
+                        <p:cond delay="indefinite"/>
+                      </p:stCondLst>
+                      <p:childTnLst>
+                        <p:par>
+                          <p:cTn id="8" fill="hold">
+                            <p:stCondLst>
+                              <p:cond delay="0"/>
+                            </p:stCondLst>
+                            <p:childTnLst>
+                              <p:par>
+                                <p:cTn id="9" presetID="1" presetClass="entr" presetSubtype="0" fill="hold" grpId="0" nodeType="clickEffect">
+                                  <p:stCondLst>
+                                    <p:cond delay="0"/>
+                                  </p:stCondLst>
+                                  <p:childTnLst>
+                                    <p:set>
+                                      <p:cBhvr>
+                                        <p:cTn id="10" dur="1" fill="hold">
+                                          <p:stCondLst>
+                                            <p:cond delay="0"/>
+                                          </p:stCondLst>
+                                        </p:cTn>
+                                        <p:tgtEl>
+                                          <p:spTgt spid="2">
+                                            <p:txEl>
+                                              <p:pRg st="3" end="3"/>
+                                            </p:txEl>
+                                          </p:spTgt>
+                                        </p:tgtEl>
+                                        <p:attrNameLst>
+                                          <p:attrName>style.visibility</p:attrName>
+                                        </p:attrNameLst>
+                                      </p:cBhvr>
+                                      <p:to>
+                                        <p:strVal val="visible"/>
+                                      </p:to>
+                                    </p:set>
+                                  </p:childTnLst>
+                                </p:cTn>
+                              </p:par>
+                            </p:childTnLst>
+                          </p:cTn>
+                        </p:par>
+                      </p:childTnLst>
+                    </p:cTn>
+                  </p:par>
+                  <p:par>
+                    <p:cTn id="11" fill="hold">
+                      <p:stCondLst>
+                        <p:cond delay="indefinite"/>
+                      </p:stCondLst>
+                      <p:childTnLst>
+                        <p:par>
+                          <p:cTn id="12" fill="hold">
+                            <p:stCondLst>
+                              <p:cond delay="0"/>
+                            </p:stCondLst>
+                            <p:childTnLst>
+                              <p:par>
+                                <p:cTn id="13" presetID="1" presetClass="entr" presetSubtype="0" fill="hold" grpId="0" nodeType="clickEffect">
+                                  <p:stCondLst>
+                                    <p:cond delay="0"/>
+                                  </p:stCondLst>
+                                  <p:childTnLst>
+                                    <p:set>
+                                      <p:cBhvr>
+                                        <p:cTn id="14" dur="1" fill="hold">
+                                          <p:stCondLst>
+                                            <p:cond delay="0"/>
+                                          </p:stCondLst>
+                                        </p:cTn>
+                                        <p:tgtEl>
+                                          <p:spTgt spid="2">
+                                            <p:txEl>
+                                              <p:pRg st="4" end="4"/>
+                                            </p:txEl>
+                                          </p:spTgt>
+                                        </p:tgtEl>
+                                        <p:attrNameLst>
+                                          <p:attrName>style.visibility</p:attrName>
+                                        </p:attrNameLst>
+                                      </p:cBhvr>
+                                      <p:to>
+                                        <p:strVal val="visible"/>
+                                      </p:to>
+                                    </p:set>
+                                  </p:childTnLst>
+                                </p:cTn>
+                              </p:par>
+                            </p:childTnLst>
+                          </p:cTn>
+                        </p:par>
+                      </p:childTnLst>
+                    </p:cTn>
+                  </p:par>
+                  <p:par>
+                    <p:cTn id="15" fill="hold">
+                      <p:stCondLst>
+                        <p:cond delay="indefinite"/>
+                      </p:stCondLst>
+                      <p:childTnLst>
+                        <p:par>
+                          <p:cTn id="16" fill="hold">
+                            <p:stCondLst>
+                              <p:cond delay="0"/>
+                            </p:stCondLst>
+                            <p:childTnLst>
+                              <p:par>
+                                <p:cTn id="17" presetID="1" presetClass="entr" presetSubtype="0" fill="hold" grpId="0" nodeType="clickEffect">
+                                  <p:stCondLst>
+                                    <p:cond delay="0"/>
+                                  </p:stCondLst>
+                                  <p:childTnLst>
+                                    <p:set>
+                                      <p:cBhvr>
+                                        <p:cTn id="18" dur="1" fill="hold">
+                                          <p:stCondLst>
+                                            <p:cond delay="0"/>
+                                          </p:stCondLst>
+                                        </p:cTn>
+                                        <p:tgtEl>
+                                          <p:spTgt spid="2">
+                                            <p:txEl>
+                                              <p:pRg st="5" end="5"/>
+                                            </p:txEl>
+                                          </p:spTgt>
+                                        </p:tgtEl>
+                                        <p:attrNameLst>
+                                          <p:attrName>style.visibility</p:attrName>
+                                        </p:attrNameLst>
+                                      </p:cBhvr>
+                                      <p:to>
+                                        <p:strVal val="visible"/>
+                                      </p:to>
+                                    </p:set>
+                                  </p:childTnLst>
+                                </p:cTn>
+                              </p:par>
+                            </p:childTnLst>
+                          </p:cTn>
+                        </p:par>
+                      </p:childTnLst>
+                    </p:cTn>
+                  </p:par>
+                </p:childTnLst>
+              </p:cTn>
+              <p:prevCondLst>
+                <p:cond evt="onPrev" delay="0">
+                  <p:tgtEl>
+                    <p:sldTgt/>
+                  </p:tgtEl>
+                </p:cond>
+              </p:prevCondLst>
+              <p:nextCondLst>
+                <p:cond evt="onNext" delay="0">
+                  <p:tgtEl>
+                    <p:sldTgt/>
+                  </p:tgtEl>
+                </p:cond>
+              </p:nextCondLst>
+            </p:seq>
+          </p:childTnLst>
+        </p:cTn>
       </p:par>
     </p:tnLst>
+    <p:bldLst>
+      <p:bldP spid="2" grpId="0" uiExpand="1" build="p"/>
+    </p:bldLst>
   </p:timing>
 </p:sld>
 </file>
@@ -8871,12 +9274,70 @@
               <a:rPr lang="de-CH" dirty="0" err="1" smtClean="0"/>
               <a:t>communication</a:t>
             </a:r>
+            <a:r>
+              <a:rPr lang="de-CH" dirty="0" smtClean="0"/>
+              <a:t> </a:t>
+            </a:r>
+            <a:r>
+              <a:rPr lang="de-CH" dirty="0" err="1" smtClean="0"/>
+              <a:t>within</a:t>
+            </a:r>
+            <a:r>
+              <a:rPr lang="de-CH" dirty="0" smtClean="0"/>
+              <a:t> the Team</a:t>
+            </a:r>
+          </a:p>
+          <a:p>
+            <a:r>
+              <a:rPr lang="de-CH" dirty="0" err="1" smtClean="0"/>
+              <a:t>Good</a:t>
+            </a:r>
+            <a:r>
+              <a:rPr lang="de-CH" dirty="0" smtClean="0"/>
+              <a:t> </a:t>
+            </a:r>
+            <a:r>
+              <a:rPr lang="de-CH" dirty="0" err="1" smtClean="0"/>
+              <a:t>relation</a:t>
+            </a:r>
+            <a:r>
+              <a:rPr lang="de-CH" dirty="0" smtClean="0"/>
+              <a:t> </a:t>
+            </a:r>
+            <a:r>
+              <a:rPr lang="de-CH" dirty="0" err="1" smtClean="0"/>
+              <a:t>to</a:t>
+            </a:r>
+            <a:r>
+              <a:rPr lang="de-CH" dirty="0" smtClean="0"/>
+              <a:t> the </a:t>
+            </a:r>
+            <a:r>
+              <a:rPr lang="de-CH" dirty="0" err="1" smtClean="0"/>
+              <a:t>customer</a:t>
+            </a:r>
             <a:endParaRPr lang="de-CH" dirty="0" smtClean="0"/>
           </a:p>
           <a:p>
             <a:r>
+              <a:rPr lang="de-CH" dirty="0" err="1" smtClean="0"/>
+              <a:t>Organized</a:t>
+            </a:r>
+            <a:r>
               <a:rPr lang="de-CH" dirty="0" smtClean="0"/>
-              <a:t>Problem </a:t>
+              <a:t> &amp; fast </a:t>
+            </a:r>
+            <a:r>
+              <a:rPr lang="de-CH" dirty="0" err="1"/>
+              <a:t>p</a:t>
+            </a:r>
+            <a:r>
+              <a:rPr lang="de-CH" dirty="0" err="1" smtClean="0"/>
+              <a:t>roblem</a:t>
+            </a:r>
+            <a:r>
+              <a:rPr lang="de-CH" dirty="0" smtClean="0"/>
+              <a:t> </a:t>
             </a:r>
             <a:r>
               <a:rPr lang="de-CH" dirty="0" err="1" smtClean="0"/>
@@ -9019,8 +9480,8 @@
           <a:lstStyle/>
           <a:p>
             <a:r>
-              <a:rPr lang="de-DE" dirty="0" err="1" smtClean="0"/>
-              <a:t>Thank‘s</a:t>
+              <a:rPr lang="de-DE" smtClean="0"/>
+              <a:t>Thanks</a:t>
             </a:r>
             <a:r>
               <a:rPr lang="de-DE" dirty="0" smtClean="0"/>
@@ -9897,6 +10358,23 @@
 </file>
 
 <file path=customXml/item1.xml><?xml version="1.0" encoding="utf-8"?>
+<p:properties xmlns:p="http://schemas.microsoft.com/office/2006/metadata/properties" xmlns:xsi="http://www.w3.org/2001/XMLSchema-instance">
+  <documentManagement>
+    <AVMTitle xmlns="5091c847-84be-4f4f-b16c-c018ad2ca66b">Präsentation BFH_2013</AVMTitle>
+  </documentManagement>
+</p:properties>
+</file>
+
+<file path=customXml/item2.xml><?xml version="1.0" encoding="utf-8"?>
+<?mso-contentType ?>
+<FormTemplates xmlns="http://schemas.microsoft.com/sharepoint/v3/contenttype/forms">
+  <Display>DocumentLibraryForm</Display>
+  <Edit>DocumentLibraryForm</Edit>
+  <New>DocumentLibraryForm</New>
+</FormTemplates>
+</file>
+
+<file path=customXml/item3.xml><?xml version="1.0" encoding="utf-8"?>
 <ct:contentTypeSchema xmlns:ct="http://schemas.microsoft.com/office/2006/metadata/contentType" xmlns:ma="http://schemas.microsoft.com/office/2006/metadata/properties/metaAttributes" ct:_="" ma:_="" ma:contentTypeName="Dokument" ma:contentTypeID="0x010100EBE3A9EFF36793468C03E2811ACE2A2B" ma:contentTypeVersion="1" ma:contentTypeDescription="Ein neues Dokument erstellen." ma:contentTypeScope="" ma:versionID="e65be32cb1bfff77fc8c9c09bf542651">
   <xsd:schema xmlns:xsd="http://www.w3.org/2001/XMLSchema" xmlns:p="http://schemas.microsoft.com/office/2006/metadata/properties" xmlns:ns2="5091c847-84be-4f4f-b16c-c018ad2ca66b" targetNamespace="http://schemas.microsoft.com/office/2006/metadata/properties" ma:root="true" ma:fieldsID="7636c84aed5b7d09a166fcef888725d4" ns2:_="">
     <xsd:import namespace="5091c847-84be-4f4f-b16c-c018ad2ca66b"/>
@@ -9956,24 +10434,30 @@
 </ct:contentTypeSchema>
 </file>
 
-<file path=customXml/item2.xml><?xml version="1.0" encoding="utf-8"?>
-<?mso-contentType ?>
-<FormTemplates xmlns="http://schemas.microsoft.com/sharepoint/v3/contenttype/forms">
-  <Display>DocumentLibraryForm</Display>
-  <Edit>DocumentLibraryForm</Edit>
-  <New>DocumentLibraryForm</New>
-</FormTemplates>
+<file path=customXml/itemProps1.xml><?xml version="1.0" encoding="utf-8"?>
+<ds:datastoreItem xmlns:ds="http://schemas.openxmlformats.org/officeDocument/2006/customXml" ds:itemID="{32991507-CB83-4F49-BAFB-D322B1D04098}">
+  <ds:schemaRefs>
+    <ds:schemaRef ds:uri="http://schemas.microsoft.com/office/2006/metadata/properties"/>
+    <ds:schemaRef ds:uri="http://purl.org/dc/terms/"/>
+    <ds:schemaRef ds:uri="http://schemas.openxmlformats.org/package/2006/metadata/core-properties"/>
+    <ds:schemaRef ds:uri="http://schemas.microsoft.com/office/2006/documentManagement/types"/>
+    <ds:schemaRef ds:uri="5091c847-84be-4f4f-b16c-c018ad2ca66b"/>
+    <ds:schemaRef ds:uri="http://purl.org/dc/elements/1.1/"/>
+    <ds:schemaRef ds:uri="http://www.w3.org/XML/1998/namespace"/>
+    <ds:schemaRef ds:uri="http://purl.org/dc/dcmitype/"/>
+  </ds:schemaRefs>
+</ds:datastoreItem>
 </file>
 
-<file path=customXml/item3.xml><?xml version="1.0" encoding="utf-8"?>
-<p:properties xmlns:p="http://schemas.microsoft.com/office/2006/metadata/properties" xmlns:xsi="http://www.w3.org/2001/XMLSchema-instance">
-  <documentManagement>
-    <AVMTitle xmlns="5091c847-84be-4f4f-b16c-c018ad2ca66b">Präsentation BFH_2013</AVMTitle>
-  </documentManagement>
-</p:properties>
+<file path=customXml/itemProps2.xml><?xml version="1.0" encoding="utf-8"?>
+<ds:datastoreItem xmlns:ds="http://schemas.openxmlformats.org/officeDocument/2006/customXml" ds:itemID="{1851D33F-E468-417B-A30C-509B68D2BD09}">
+  <ds:schemaRefs>
+    <ds:schemaRef ds:uri="http://schemas.microsoft.com/sharepoint/v3/contenttype/forms"/>
+  </ds:schemaRefs>
+</ds:datastoreItem>
 </file>
 
-<file path=customXml/itemProps1.xml><?xml version="1.0" encoding="utf-8"?>
+<file path=customXml/itemProps3.xml><?xml version="1.0" encoding="utf-8"?>
 <ds:datastoreItem xmlns:ds="http://schemas.openxmlformats.org/officeDocument/2006/customXml" ds:itemID="{15287BEA-F3FF-4B87-929B-5D0092183197}">
   <ds:schemaRefs>
     <ds:schemaRef ds:uri="http://schemas.microsoft.com/office/2006/metadata/contentType"/>
@@ -9988,27 +10472,4 @@
     <ds:schemaRef ds:uri="http://schemas.microsoft.com/office/internal/2005/internalDocumentation"/>
   </ds:schemaRefs>
 </ds:datastoreItem>
-</file>
-
-<file path=customXml/itemProps2.xml><?xml version="1.0" encoding="utf-8"?>
-<ds:datastoreItem xmlns:ds="http://schemas.openxmlformats.org/officeDocument/2006/customXml" ds:itemID="{1851D33F-E468-417B-A30C-509B68D2BD09}">
-  <ds:schemaRefs>
-    <ds:schemaRef ds:uri="http://schemas.microsoft.com/sharepoint/v3/contenttype/forms"/>
-  </ds:schemaRefs>
-</ds:datastoreItem>
-</file>
-
-<file path=customXml/itemProps3.xml><?xml version="1.0" encoding="utf-8"?>
-<ds:datastoreItem xmlns:ds="http://schemas.openxmlformats.org/officeDocument/2006/customXml" ds:itemID="{32991507-CB83-4F49-BAFB-D322B1D04098}">
-  <ds:schemaRefs>
-    <ds:schemaRef ds:uri="http://schemas.microsoft.com/office/2006/metadata/properties"/>
-    <ds:schemaRef ds:uri="http://purl.org/dc/terms/"/>
-    <ds:schemaRef ds:uri="http://schemas.openxmlformats.org/package/2006/metadata/core-properties"/>
-    <ds:schemaRef ds:uri="http://schemas.microsoft.com/office/2006/documentManagement/types"/>
-    <ds:schemaRef ds:uri="5091c847-84be-4f4f-b16c-c018ad2ca66b"/>
-    <ds:schemaRef ds:uri="http://purl.org/dc/elements/1.1/"/>
-    <ds:schemaRef ds:uri="http://www.w3.org/XML/1998/namespace"/>
-    <ds:schemaRef ds:uri="http://purl.org/dc/dcmitype/"/>
-  </ds:schemaRefs>
-</ds:datastoreItem>
 </file>
--- a/doc/Task01/Task01.pptx
+++ b/doc/Task01/Task01.pptx
@@ -148,7 +148,7 @@
   </p:defaultTextStyle>
   <p:extLst>
     <p:ext uri="{EFAFB233-063F-42B5-8137-9DF3F51BA10A}">
-      <p15:sldGuideLst xmlns:p15="http://schemas.microsoft.com/office/powerpoint/2012/main" xmlns="">
+      <p15:sldGuideLst xmlns="" xmlns:p15="http://schemas.microsoft.com/office/powerpoint/2012/main">
         <p15:guide id="1" orient="horz" pos="2160">
           <p15:clr>
             <a:srgbClr val="A4A3A4"/>
@@ -162,7 +162,7 @@
       </p15:sldGuideLst>
     </p:ext>
     <p:ext uri="{2D200454-40CA-4A62-9FC3-DE9A4176ACB9}">
-      <p15:notesGuideLst xmlns:p15="http://schemas.microsoft.com/office/powerpoint/2012/main" xmlns="">
+      <p15:notesGuideLst xmlns="" xmlns:p15="http://schemas.microsoft.com/office/powerpoint/2012/main">
         <p15:guide id="1" orient="horz" pos="3127">
           <p15:clr>
             <a:srgbClr val="A4A3A4"/>
@@ -261,7 +261,7 @@
           <a:p>
             <a:fld id="{EFA0D184-D464-48E9-9CA0-A94E873F6C2C}" type="datetimeFigureOut">
               <a:rPr lang="de-CH" smtClean="0"/>
-              <a:t>25.09.2015</a:t>
+              <a:t>28.09.2015</a:t>
             </a:fld>
             <a:endParaRPr lang="de-CH"/>
           </a:p>
@@ -426,7 +426,7 @@
           <a:p>
             <a:fld id="{5AF2B663-2BA9-4D7E-8201-5DE4109E1EDD}" type="datetimeFigureOut">
               <a:rPr lang="de-CH" smtClean="0"/>
-              <a:t>25.09.2015</a:t>
+              <a:t>28.09.2015</a:t>
             </a:fld>
             <a:endParaRPr lang="de-CH"/>
           </a:p>
@@ -956,12 +956,12 @@
               <a:t> der </a:t>
             </a:r>
             <a:r>
-              <a:rPr lang="de-CH" baseline="0" dirty="0" err="1" smtClean="0"/>
-              <a:t>Behandlungs</a:t>
-            </a:r>
-            <a:r>
               <a:rPr lang="de-CH" baseline="0" dirty="0" smtClean="0"/>
-              <a:t> Daten von Patienten mit </a:t>
+              <a:t>Behandlungsdaten </a:t>
+            </a:r>
+            <a:r>
+              <a:rPr lang="de-CH" baseline="0" dirty="0" smtClean="0"/>
+              <a:t>von Patienten mit </a:t>
             </a:r>
             <a:r>
               <a:rPr lang="de-DE" dirty="0" smtClean="0"/>
@@ -7890,15 +7890,19 @@
             <a:pPr lvl="0"/>
             <a:r>
               <a:rPr lang="de-CH" dirty="0"/>
-              <a:t>manage </a:t>
-            </a:r>
-            <a:r>
-              <a:rPr lang="de-CH" dirty="0" err="1"/>
-              <a:t>the</a:t>
-            </a:r>
-            <a:r>
-              <a:rPr lang="de-CH" dirty="0"/>
-              <a:t> care </a:t>
+              <a:t>manage the </a:t>
+            </a:r>
+            <a:r>
+              <a:rPr lang="de-CH" dirty="0" smtClean="0"/>
+              <a:t>care </a:t>
+            </a:r>
+            <a:r>
+              <a:rPr lang="de-CH" dirty="0" err="1" smtClean="0"/>
+              <a:t>data</a:t>
+            </a:r>
+            <a:r>
+              <a:rPr lang="de-CH" dirty="0" smtClean="0"/>
+              <a:t> </a:t>
             </a:r>
             <a:r>
               <a:rPr lang="de-CH" dirty="0" err="1"/>
@@ -8017,6 +8021,14 @@
             <a:r>
               <a:rPr lang="en-US" dirty="0"/>
               <a:t>and government targets </a:t>
+            </a:r>
+            <a:endParaRPr lang="en-US" dirty="0" smtClean="0"/>
+          </a:p>
+          <a:p>
+            <a:pPr lvl="1"/>
+            <a:r>
+              <a:rPr lang="en-US" dirty="0" smtClean="0"/>
+              <a:t>E.g. BFS-Data</a:t>
             </a:r>
             <a:endParaRPr lang="de-CH" dirty="0"/>
           </a:p>
@@ -8461,33 +8473,15 @@
                                   </p:childTnLst>
                                 </p:cTn>
                               </p:par>
-                            </p:childTnLst>
-                          </p:cTn>
-                        </p:par>
-                      </p:childTnLst>
-                    </p:cTn>
-                  </p:par>
-                  <p:par>
-                    <p:cTn id="19" fill="hold">
-                      <p:stCondLst>
-                        <p:cond delay="indefinite"/>
-                      </p:stCondLst>
-                      <p:childTnLst>
-                        <p:par>
-                          <p:cTn id="20" fill="hold">
-                            <p:stCondLst>
-                              <p:cond delay="0"/>
-                            </p:stCondLst>
-                            <p:childTnLst>
                               <p:par>
-                                <p:cTn id="21" presetID="1" presetClass="entr" presetSubtype="0" fill="hold" grpId="0" nodeType="clickEffect">
+                                <p:cTn id="19" presetID="1" presetClass="entr" presetSubtype="0" fill="hold" grpId="0" nodeType="withEffect">
                                   <p:stCondLst>
                                     <p:cond delay="0"/>
                                   </p:stCondLst>
                                   <p:childTnLst>
                                     <p:set>
                                       <p:cBhvr>
-                                        <p:cTn id="22" dur="1" fill="hold">
+                                        <p:cTn id="20" dur="1" fill="hold">
                                           <p:stCondLst>
                                             <p:cond delay="0"/>
                                           </p:stCondLst>
@@ -8517,26 +8511,26 @@
                     </p:cTn>
                   </p:par>
                   <p:par>
-                    <p:cTn id="23" fill="hold">
+                    <p:cTn id="21" fill="hold">
                       <p:stCondLst>
                         <p:cond delay="indefinite"/>
                       </p:stCondLst>
                       <p:childTnLst>
                         <p:par>
-                          <p:cTn id="24" fill="hold">
+                          <p:cTn id="22" fill="hold">
                             <p:stCondLst>
                               <p:cond delay="0"/>
                             </p:stCondLst>
                             <p:childTnLst>
                               <p:par>
-                                <p:cTn id="25" presetID="1" presetClass="entr" presetSubtype="0" fill="hold" grpId="0" nodeType="clickEffect">
+                                <p:cTn id="23" presetID="1" presetClass="entr" presetSubtype="0" fill="hold" grpId="0" nodeType="clickEffect">
                                   <p:stCondLst>
                                     <p:cond delay="0"/>
                                   </p:stCondLst>
                                   <p:childTnLst>
                                     <p:set>
                                       <p:cBhvr>
-                                        <p:cTn id="26" dur="1" fill="hold">
+                                        <p:cTn id="24" dur="1" fill="hold">
                                           <p:stCondLst>
                                             <p:cond delay="0"/>
                                           </p:stCondLst>
@@ -8559,8 +8553,26 @@
                                   </p:childTnLst>
                                 </p:cTn>
                               </p:par>
+                            </p:childTnLst>
+                          </p:cTn>
+                        </p:par>
+                      </p:childTnLst>
+                    </p:cTn>
+                  </p:par>
+                  <p:par>
+                    <p:cTn id="25" fill="hold">
+                      <p:stCondLst>
+                        <p:cond delay="indefinite"/>
+                      </p:stCondLst>
+                      <p:childTnLst>
+                        <p:par>
+                          <p:cTn id="26" fill="hold">
+                            <p:stCondLst>
+                              <p:cond delay="0"/>
+                            </p:stCondLst>
+                            <p:childTnLst>
                               <p:par>
-                                <p:cTn id="27" presetID="1" presetClass="entr" presetSubtype="0" fill="hold" grpId="0" nodeType="withEffect">
+                                <p:cTn id="27" presetID="1" presetClass="entr" presetSubtype="0" fill="hold" grpId="0" nodeType="clickEffect">
                                   <p:stCondLst>
                                     <p:cond delay="0"/>
                                   </p:stCondLst>
@@ -8576,6 +8588,37 @@
                                           <p:spTgt spid="2">
                                             <p:txEl>
                                               <p:pRg st="8" end="8"/>
+                                            </p:txEl>
+                                          </p:spTgt>
+                                        </p:tgtEl>
+                                        <p:attrNameLst>
+                                          <p:attrName>style.visibility</p:attrName>
+                                        </p:attrNameLst>
+                                      </p:cBhvr>
+                                      <p:to>
+                                        <p:strVal val="visible"/>
+                                      </p:to>
+                                    </p:set>
+                                  </p:childTnLst>
+                                </p:cTn>
+                              </p:par>
+                              <p:par>
+                                <p:cTn id="29" presetID="1" presetClass="entr" presetSubtype="0" fill="hold" grpId="0" nodeType="withEffect">
+                                  <p:stCondLst>
+                                    <p:cond delay="0"/>
+                                  </p:stCondLst>
+                                  <p:childTnLst>
+                                    <p:set>
+                                      <p:cBhvr>
+                                        <p:cTn id="30" dur="1" fill="hold">
+                                          <p:stCondLst>
+                                            <p:cond delay="0"/>
+                                          </p:stCondLst>
+                                        </p:cTn>
+                                        <p:tgtEl>
+                                          <p:spTgt spid="2">
+                                            <p:txEl>
+                                              <p:pRg st="9" end="9"/>
                                             </p:txEl>
                                           </p:spTgt>
                                         </p:tgtEl>
@@ -10358,23 +10401,6 @@
 </file>
 
 <file path=customXml/item1.xml><?xml version="1.0" encoding="utf-8"?>
-<p:properties xmlns:p="http://schemas.microsoft.com/office/2006/metadata/properties" xmlns:xsi="http://www.w3.org/2001/XMLSchema-instance">
-  <documentManagement>
-    <AVMTitle xmlns="5091c847-84be-4f4f-b16c-c018ad2ca66b">Präsentation BFH_2013</AVMTitle>
-  </documentManagement>
-</p:properties>
-</file>
-
-<file path=customXml/item2.xml><?xml version="1.0" encoding="utf-8"?>
-<?mso-contentType ?>
-<FormTemplates xmlns="http://schemas.microsoft.com/sharepoint/v3/contenttype/forms">
-  <Display>DocumentLibraryForm</Display>
-  <Edit>DocumentLibraryForm</Edit>
-  <New>DocumentLibraryForm</New>
-</FormTemplates>
-</file>
-
-<file path=customXml/item3.xml><?xml version="1.0" encoding="utf-8"?>
 <ct:contentTypeSchema xmlns:ct="http://schemas.microsoft.com/office/2006/metadata/contentType" xmlns:ma="http://schemas.microsoft.com/office/2006/metadata/properties/metaAttributes" ct:_="" ma:_="" ma:contentTypeName="Dokument" ma:contentTypeID="0x010100EBE3A9EFF36793468C03E2811ACE2A2B" ma:contentTypeVersion="1" ma:contentTypeDescription="Ein neues Dokument erstellen." ma:contentTypeScope="" ma:versionID="e65be32cb1bfff77fc8c9c09bf542651">
   <xsd:schema xmlns:xsd="http://www.w3.org/2001/XMLSchema" xmlns:p="http://schemas.microsoft.com/office/2006/metadata/properties" xmlns:ns2="5091c847-84be-4f4f-b16c-c018ad2ca66b" targetNamespace="http://schemas.microsoft.com/office/2006/metadata/properties" ma:root="true" ma:fieldsID="7636c84aed5b7d09a166fcef888725d4" ns2:_="">
     <xsd:import namespace="5091c847-84be-4f4f-b16c-c018ad2ca66b"/>
@@ -10434,30 +10460,24 @@
 </ct:contentTypeSchema>
 </file>
 
-<file path=customXml/itemProps1.xml><?xml version="1.0" encoding="utf-8"?>
-<ds:datastoreItem xmlns:ds="http://schemas.openxmlformats.org/officeDocument/2006/customXml" ds:itemID="{32991507-CB83-4F49-BAFB-D322B1D04098}">
-  <ds:schemaRefs>
-    <ds:schemaRef ds:uri="http://schemas.microsoft.com/office/2006/metadata/properties"/>
-    <ds:schemaRef ds:uri="http://purl.org/dc/terms/"/>
-    <ds:schemaRef ds:uri="http://schemas.openxmlformats.org/package/2006/metadata/core-properties"/>
-    <ds:schemaRef ds:uri="http://schemas.microsoft.com/office/2006/documentManagement/types"/>
-    <ds:schemaRef ds:uri="5091c847-84be-4f4f-b16c-c018ad2ca66b"/>
-    <ds:schemaRef ds:uri="http://purl.org/dc/elements/1.1/"/>
-    <ds:schemaRef ds:uri="http://www.w3.org/XML/1998/namespace"/>
-    <ds:schemaRef ds:uri="http://purl.org/dc/dcmitype/"/>
-  </ds:schemaRefs>
-</ds:datastoreItem>
+<file path=customXml/item2.xml><?xml version="1.0" encoding="utf-8"?>
+<?mso-contentType ?>
+<FormTemplates xmlns="http://schemas.microsoft.com/sharepoint/v3/contenttype/forms">
+  <Display>DocumentLibraryForm</Display>
+  <Edit>DocumentLibraryForm</Edit>
+  <New>DocumentLibraryForm</New>
+</FormTemplates>
 </file>
 
-<file path=customXml/itemProps2.xml><?xml version="1.0" encoding="utf-8"?>
-<ds:datastoreItem xmlns:ds="http://schemas.openxmlformats.org/officeDocument/2006/customXml" ds:itemID="{1851D33F-E468-417B-A30C-509B68D2BD09}">
-  <ds:schemaRefs>
-    <ds:schemaRef ds:uri="http://schemas.microsoft.com/sharepoint/v3/contenttype/forms"/>
-  </ds:schemaRefs>
-</ds:datastoreItem>
+<file path=customXml/item3.xml><?xml version="1.0" encoding="utf-8"?>
+<p:properties xmlns:p="http://schemas.microsoft.com/office/2006/metadata/properties" xmlns:xsi="http://www.w3.org/2001/XMLSchema-instance">
+  <documentManagement>
+    <AVMTitle xmlns="5091c847-84be-4f4f-b16c-c018ad2ca66b">Präsentation BFH_2013</AVMTitle>
+  </documentManagement>
+</p:properties>
 </file>
 
-<file path=customXml/itemProps3.xml><?xml version="1.0" encoding="utf-8"?>
+<file path=customXml/itemProps1.xml><?xml version="1.0" encoding="utf-8"?>
 <ds:datastoreItem xmlns:ds="http://schemas.openxmlformats.org/officeDocument/2006/customXml" ds:itemID="{15287BEA-F3FF-4B87-929B-5D0092183197}">
   <ds:schemaRefs>
     <ds:schemaRef ds:uri="http://schemas.microsoft.com/office/2006/metadata/contentType"/>
@@ -10472,4 +10492,27 @@
     <ds:schemaRef ds:uri="http://schemas.microsoft.com/office/internal/2005/internalDocumentation"/>
   </ds:schemaRefs>
 </ds:datastoreItem>
+</file>
+
+<file path=customXml/itemProps2.xml><?xml version="1.0" encoding="utf-8"?>
+<ds:datastoreItem xmlns:ds="http://schemas.openxmlformats.org/officeDocument/2006/customXml" ds:itemID="{1851D33F-E468-417B-A30C-509B68D2BD09}">
+  <ds:schemaRefs>
+    <ds:schemaRef ds:uri="http://schemas.microsoft.com/sharepoint/v3/contenttype/forms"/>
+  </ds:schemaRefs>
+</ds:datastoreItem>
+</file>
+
+<file path=customXml/itemProps3.xml><?xml version="1.0" encoding="utf-8"?>
+<ds:datastoreItem xmlns:ds="http://schemas.openxmlformats.org/officeDocument/2006/customXml" ds:itemID="{32991507-CB83-4F49-BAFB-D322B1D04098}">
+  <ds:schemaRefs>
+    <ds:schemaRef ds:uri="http://schemas.microsoft.com/office/2006/metadata/properties"/>
+    <ds:schemaRef ds:uri="http://purl.org/dc/terms/"/>
+    <ds:schemaRef ds:uri="http://schemas.openxmlformats.org/package/2006/metadata/core-properties"/>
+    <ds:schemaRef ds:uri="http://schemas.microsoft.com/office/2006/documentManagement/types"/>
+    <ds:schemaRef ds:uri="5091c847-84be-4f4f-b16c-c018ad2ca66b"/>
+    <ds:schemaRef ds:uri="http://purl.org/dc/elements/1.1/"/>
+    <ds:schemaRef ds:uri="http://www.w3.org/XML/1998/namespace"/>
+    <ds:schemaRef ds:uri="http://purl.org/dc/dcmitype/"/>
+  </ds:schemaRefs>
+</ds:datastoreItem>
 </file>